--- a/PRESENTAZIONE.pptx
+++ b/PRESENTAZIONE.pptx
@@ -16,7 +16,7 @@
     <p:sldId id="261" r:id="rId7"/>
     <p:sldId id="262" r:id="rId8"/>
     <p:sldId id="263" r:id="rId9"/>
-    <p:sldId id="264" r:id="rId10"/>
+    <p:sldId id="267" r:id="rId10"/>
     <p:sldId id="265" r:id="rId11"/>
   </p:sldIdLst>
   <p:sldSz cx="12192000" cy="6858000"/>
@@ -138,62 +138,7 @@
     </mc:Fallback>
   </mc:AlternateContent>
   <c:chart>
-    <c:title>
-      <c:tx>
-        <c:rich>
-          <a:bodyPr rot="0" spcFirstLastPara="1" vertOverflow="ellipsis" vert="horz" wrap="square" anchor="ctr" anchorCtr="1"/>
-          <a:lstStyle/>
-          <a:p>
-            <a:pPr>
-              <a:defRPr sz="2128" b="1" i="0" u="none" strike="noStrike" kern="1200" cap="all" spc="120" normalizeH="0" baseline="0">
-                <a:solidFill>
-                  <a:schemeClr val="tx1">
-                    <a:lumMod val="65000"/>
-                    <a:lumOff val="35000"/>
-                  </a:schemeClr>
-                </a:solidFill>
-                <a:latin typeface="+mn-lt"/>
-                <a:ea typeface="+mn-ea"/>
-                <a:cs typeface="+mn-cs"/>
-              </a:defRPr>
-            </a:pPr>
-            <a:r>
-              <a:rPr lang="it-IT"/>
-              <a:t>Cicli/Byte (Input 4096 Byte)</a:t>
-            </a:r>
-          </a:p>
-        </c:rich>
-      </c:tx>
-      <c:overlay val="0"/>
-      <c:spPr>
-        <a:noFill/>
-        <a:ln>
-          <a:noFill/>
-        </a:ln>
-        <a:effectLst/>
-      </c:spPr>
-      <c:txPr>
-        <a:bodyPr rot="0" spcFirstLastPara="1" vertOverflow="ellipsis" vert="horz" wrap="square" anchor="ctr" anchorCtr="1"/>
-        <a:lstStyle/>
-        <a:p>
-          <a:pPr>
-            <a:defRPr sz="2128" b="1" i="0" u="none" strike="noStrike" kern="1200" cap="all" spc="120" normalizeH="0" baseline="0">
-              <a:solidFill>
-                <a:schemeClr val="tx1">
-                  <a:lumMod val="65000"/>
-                  <a:lumOff val="35000"/>
-                </a:schemeClr>
-              </a:solidFill>
-              <a:latin typeface="+mn-lt"/>
-              <a:ea typeface="+mn-ea"/>
-              <a:cs typeface="+mn-cs"/>
-            </a:defRPr>
-          </a:pPr>
-          <a:endParaRPr lang="it-IT"/>
-        </a:p>
-      </c:txPr>
-    </c:title>
-    <c:autoTitleDeleted val="0"/>
+    <c:autoTitleDeleted val="1"/>
     <c:plotArea>
       <c:layout/>
       <c:barChart>
@@ -209,7 +154,7 @@
               <c:strCache>
                 <c:ptCount val="1"/>
                 <c:pt idx="0">
-                  <c:v>x86_64</c:v>
+                  <c:v>x86</c:v>
                 </c:pt>
               </c:strCache>
             </c:strRef>
@@ -224,107 +169,56 @@
             <a:effectLst/>
           </c:spPr>
           <c:invertIfNegative val="0"/>
-          <c:dLbls>
-            <c:spPr>
-              <a:noFill/>
-              <a:ln>
-                <a:noFill/>
-              </a:ln>
-              <a:effectLst/>
-            </c:spPr>
-            <c:txPr>
-              <a:bodyPr rot="-5400000" spcFirstLastPara="1" vertOverflow="clip" horzOverflow="clip" vert="horz" wrap="square" lIns="38100" tIns="19050" rIns="38100" bIns="19050" anchor="ctr" anchorCtr="1">
-                <a:spAutoFit/>
-              </a:bodyPr>
-              <a:lstStyle/>
-              <a:p>
-                <a:pPr>
-                  <a:defRPr sz="1064" b="0" i="0" u="none" strike="noStrike" kern="1200" baseline="0">
-                    <a:solidFill>
-                      <a:schemeClr val="tx1">
-                        <a:lumMod val="50000"/>
-                        <a:lumOff val="50000"/>
-                      </a:schemeClr>
-                    </a:solidFill>
-                    <a:latin typeface="+mn-lt"/>
-                    <a:ea typeface="+mn-ea"/>
-                    <a:cs typeface="+mn-cs"/>
-                  </a:defRPr>
-                </a:pPr>
-                <a:endParaRPr lang="it-IT"/>
-              </a:p>
-            </c:txPr>
-            <c:dLblPos val="outEnd"/>
-            <c:showLegendKey val="0"/>
-            <c:showVal val="1"/>
-            <c:showCatName val="0"/>
-            <c:showSerName val="0"/>
-            <c:showPercent val="0"/>
-            <c:showBubbleSize val="0"/>
-            <c:showLeaderLines val="0"/>
-            <c:extLst>
-              <c:ext xmlns:c15="http://schemas.microsoft.com/office/drawing/2012/chart" uri="{CE6537A1-D6FC-4f65-9D91-7224C49458BB}">
-                <c15:showLeaderLines val="1"/>
-                <c15:leaderLines>
-                  <c:spPr>
-                    <a:ln w="9525">
-                      <a:solidFill>
-                        <a:schemeClr val="tx1">
-                          <a:lumMod val="35000"/>
-                          <a:lumOff val="65000"/>
-                        </a:schemeClr>
-                      </a:solidFill>
-                    </a:ln>
-                    <a:effectLst/>
-                  </c:spPr>
-                </c15:leaderLines>
-              </c:ext>
-            </c:extLst>
-          </c:dLbls>
           <c:cat>
             <c:strRef>
-              <c:f>Foglio1!$A$2:$A$5</c:f>
+              <c:f>Foglio1!$A$2:$A$6</c:f>
               <c:strCache>
-                <c:ptCount val="4"/>
+                <c:ptCount val="5"/>
                 <c:pt idx="0">
                   <c:v>SHA3 512</c:v>
                 </c:pt>
                 <c:pt idx="1">
-                  <c:v>SHA3 384</c:v>
+                  <c:v>SHA3 338</c:v>
                 </c:pt>
                 <c:pt idx="2">
                   <c:v>SHA3 256</c:v>
                 </c:pt>
                 <c:pt idx="3">
-                  <c:v>SHAKE X</c:v>
+                  <c:v>SHAKE 256</c:v>
+                </c:pt>
+                <c:pt idx="4">
+                  <c:v>SHAKE 128</c:v>
                 </c:pt>
               </c:strCache>
             </c:strRef>
           </c:cat>
           <c:val>
             <c:numRef>
-              <c:f>Foglio1!$B$2:$B$5</c:f>
+              <c:f>Foglio1!$B$2:$B$6</c:f>
               <c:numCache>
                 <c:formatCode>General</c:formatCode>
-                <c:ptCount val="4"/>
+                <c:ptCount val="5"/>
                 <c:pt idx="0">
-                  <c:v>9.99</c:v>
+                  <c:v>10.89</c:v>
                 </c:pt>
                 <c:pt idx="1">
-                  <c:v>7.26</c:v>
+                  <c:v>7.57</c:v>
                 </c:pt>
                 <c:pt idx="2">
-                  <c:v>5.45</c:v>
+                  <c:v>5.86</c:v>
                 </c:pt>
                 <c:pt idx="3">
-                  <c:v>4.5</c:v>
+                  <c:v>5.95</c:v>
+                </c:pt>
+                <c:pt idx="4">
+                  <c:v>4.7699999999999996</c:v>
                 </c:pt>
               </c:numCache>
             </c:numRef>
           </c:val>
           <c:extLst>
             <c:ext xmlns:c16="http://schemas.microsoft.com/office/drawing/2014/chart" uri="{C3380CC4-5D6E-409C-BE32-E72D297353CC}">
-              <c16:uniqueId val="{00000000-9CA3-4EA3-B951-4CA8C82FBF03}"/>
+              <c16:uniqueId val="{00000000-696D-4CE1-8943-95D416BB425D}"/>
             </c:ext>
           </c:extLst>
         </c:ser>
@@ -337,7 +231,7 @@
               <c:strCache>
                 <c:ptCount val="1"/>
                 <c:pt idx="0">
-                  <c:v>ARM</c:v>
+                  <c:v>SUPERCOP x86</c:v>
                 </c:pt>
               </c:strCache>
             </c:strRef>
@@ -352,107 +246,56 @@
             <a:effectLst/>
           </c:spPr>
           <c:invertIfNegative val="0"/>
-          <c:dLbls>
-            <c:spPr>
-              <a:noFill/>
-              <a:ln>
-                <a:noFill/>
-              </a:ln>
-              <a:effectLst/>
-            </c:spPr>
-            <c:txPr>
-              <a:bodyPr rot="-5400000" spcFirstLastPara="1" vertOverflow="clip" horzOverflow="clip" vert="horz" wrap="square" lIns="38100" tIns="19050" rIns="38100" bIns="19050" anchor="ctr" anchorCtr="1">
-                <a:spAutoFit/>
-              </a:bodyPr>
-              <a:lstStyle/>
-              <a:p>
-                <a:pPr>
-                  <a:defRPr sz="1064" b="0" i="0" u="none" strike="noStrike" kern="1200" baseline="0">
-                    <a:solidFill>
-                      <a:schemeClr val="tx1">
-                        <a:lumMod val="50000"/>
-                        <a:lumOff val="50000"/>
-                      </a:schemeClr>
-                    </a:solidFill>
-                    <a:latin typeface="+mn-lt"/>
-                    <a:ea typeface="+mn-ea"/>
-                    <a:cs typeface="+mn-cs"/>
-                  </a:defRPr>
-                </a:pPr>
-                <a:endParaRPr lang="it-IT"/>
-              </a:p>
-            </c:txPr>
-            <c:dLblPos val="outEnd"/>
-            <c:showLegendKey val="0"/>
-            <c:showVal val="1"/>
-            <c:showCatName val="0"/>
-            <c:showSerName val="0"/>
-            <c:showPercent val="0"/>
-            <c:showBubbleSize val="0"/>
-            <c:showLeaderLines val="0"/>
-            <c:extLst>
-              <c:ext xmlns:c15="http://schemas.microsoft.com/office/drawing/2012/chart" uri="{CE6537A1-D6FC-4f65-9D91-7224C49458BB}">
-                <c15:showLeaderLines val="1"/>
-                <c15:leaderLines>
-                  <c:spPr>
-                    <a:ln w="9525">
-                      <a:solidFill>
-                        <a:schemeClr val="tx1">
-                          <a:lumMod val="35000"/>
-                          <a:lumOff val="65000"/>
-                        </a:schemeClr>
-                      </a:solidFill>
-                    </a:ln>
-                    <a:effectLst/>
-                  </c:spPr>
-                </c15:leaderLines>
-              </c:ext>
-            </c:extLst>
-          </c:dLbls>
           <c:cat>
             <c:strRef>
-              <c:f>Foglio1!$A$2:$A$5</c:f>
+              <c:f>Foglio1!$A$2:$A$6</c:f>
               <c:strCache>
-                <c:ptCount val="4"/>
+                <c:ptCount val="5"/>
                 <c:pt idx="0">
                   <c:v>SHA3 512</c:v>
                 </c:pt>
                 <c:pt idx="1">
-                  <c:v>SHA3 384</c:v>
+                  <c:v>SHA3 338</c:v>
                 </c:pt>
                 <c:pt idx="2">
                   <c:v>SHA3 256</c:v>
                 </c:pt>
                 <c:pt idx="3">
-                  <c:v>SHAKE X</c:v>
+                  <c:v>SHAKE 256</c:v>
+                </c:pt>
+                <c:pt idx="4">
+                  <c:v>SHAKE 128</c:v>
                 </c:pt>
               </c:strCache>
             </c:strRef>
           </c:cat>
           <c:val>
             <c:numRef>
-              <c:f>Foglio1!$C$2:$C$5</c:f>
+              <c:f>Foglio1!$C$2:$C$6</c:f>
               <c:numCache>
                 <c:formatCode>General</c:formatCode>
-                <c:ptCount val="4"/>
+                <c:ptCount val="5"/>
                 <c:pt idx="0">
-                  <c:v>2.4</c:v>
+                  <c:v>12.64</c:v>
                 </c:pt>
                 <c:pt idx="1">
-                  <c:v>4.4000000000000004</c:v>
+                  <c:v>8.7200000000000006</c:v>
                 </c:pt>
                 <c:pt idx="2">
-                  <c:v>1.8</c:v>
+                  <c:v>6.88</c:v>
                 </c:pt>
                 <c:pt idx="3">
-                  <c:v>2.8</c:v>
+                  <c:v>6.91</c:v>
+                </c:pt>
+                <c:pt idx="4">
+                  <c:v>5.54</c:v>
                 </c:pt>
               </c:numCache>
             </c:numRef>
           </c:val>
           <c:extLst>
             <c:ext xmlns:c16="http://schemas.microsoft.com/office/drawing/2014/chart" uri="{C3380CC4-5D6E-409C-BE32-E72D297353CC}">
-              <c16:uniqueId val="{00000001-9CA3-4EA3-B951-4CA8C82FBF03}"/>
+              <c16:uniqueId val="{00000001-696D-4CE1-8943-95D416BB425D}"/>
             </c:ext>
           </c:extLst>
         </c:ser>
@@ -465,7 +308,7 @@
               <c:strCache>
                 <c:ptCount val="1"/>
                 <c:pt idx="0">
-                  <c:v>NOT OPTIMIZED</c:v>
+                  <c:v>ARM</c:v>
                 </c:pt>
               </c:strCache>
             </c:strRef>
@@ -480,145 +323,233 @@
             <a:effectLst/>
           </c:spPr>
           <c:invertIfNegative val="0"/>
-          <c:dLbls>
-            <c:spPr>
-              <a:noFill/>
-              <a:ln>
-                <a:noFill/>
-              </a:ln>
-              <a:effectLst/>
-            </c:spPr>
-            <c:txPr>
-              <a:bodyPr rot="-5400000" spcFirstLastPara="1" vertOverflow="clip" horzOverflow="clip" vert="horz" wrap="square" lIns="38100" tIns="19050" rIns="38100" bIns="19050" anchor="ctr" anchorCtr="1">
-                <a:spAutoFit/>
-              </a:bodyPr>
-              <a:lstStyle/>
-              <a:p>
-                <a:pPr>
-                  <a:defRPr sz="1064" b="0" i="0" u="none" strike="noStrike" kern="1200" baseline="0">
-                    <a:solidFill>
-                      <a:schemeClr val="tx1">
-                        <a:lumMod val="50000"/>
-                        <a:lumOff val="50000"/>
-                      </a:schemeClr>
-                    </a:solidFill>
-                    <a:latin typeface="+mn-lt"/>
-                    <a:ea typeface="+mn-ea"/>
-                    <a:cs typeface="+mn-cs"/>
-                  </a:defRPr>
-                </a:pPr>
-                <a:endParaRPr lang="it-IT"/>
-              </a:p>
-            </c:txPr>
-            <c:dLblPos val="outEnd"/>
-            <c:showLegendKey val="0"/>
-            <c:showVal val="1"/>
-            <c:showCatName val="0"/>
-            <c:showSerName val="0"/>
-            <c:showPercent val="0"/>
-            <c:showBubbleSize val="0"/>
-            <c:showLeaderLines val="0"/>
-            <c:extLst>
-              <c:ext xmlns:c15="http://schemas.microsoft.com/office/drawing/2012/chart" uri="{CE6537A1-D6FC-4f65-9D91-7224C49458BB}">
-                <c15:showLeaderLines val="1"/>
-                <c15:leaderLines>
-                  <c:spPr>
-                    <a:ln w="9525">
-                      <a:solidFill>
-                        <a:schemeClr val="tx1">
-                          <a:lumMod val="35000"/>
-                          <a:lumOff val="65000"/>
-                        </a:schemeClr>
-                      </a:solidFill>
-                    </a:ln>
-                    <a:effectLst/>
-                  </c:spPr>
-                </c15:leaderLines>
-              </c:ext>
-            </c:extLst>
-          </c:dLbls>
           <c:cat>
             <c:strRef>
-              <c:f>Foglio1!$A$2:$A$5</c:f>
+              <c:f>Foglio1!$A$2:$A$6</c:f>
               <c:strCache>
-                <c:ptCount val="4"/>
+                <c:ptCount val="5"/>
                 <c:pt idx="0">
                   <c:v>SHA3 512</c:v>
                 </c:pt>
                 <c:pt idx="1">
-                  <c:v>SHA3 384</c:v>
+                  <c:v>SHA3 338</c:v>
                 </c:pt>
                 <c:pt idx="2">
                   <c:v>SHA3 256</c:v>
                 </c:pt>
                 <c:pt idx="3">
-                  <c:v>SHAKE X</c:v>
+                  <c:v>SHAKE 256</c:v>
+                </c:pt>
+                <c:pt idx="4">
+                  <c:v>SHAKE 128</c:v>
                 </c:pt>
               </c:strCache>
             </c:strRef>
           </c:cat>
           <c:val>
             <c:numRef>
-              <c:f>Foglio1!$D$2:$D$5</c:f>
+              <c:f>Foglio1!$D$2:$D$6</c:f>
               <c:numCache>
                 <c:formatCode>General</c:formatCode>
-                <c:ptCount val="4"/>
+                <c:ptCount val="5"/>
                 <c:pt idx="0">
-                  <c:v>12.3</c:v>
+                  <c:v>14.91</c:v>
                 </c:pt>
                 <c:pt idx="1">
-                  <c:v>9.4600000000000009</c:v>
+                  <c:v>10.28</c:v>
                 </c:pt>
                 <c:pt idx="2">
-                  <c:v>7.66</c:v>
+                  <c:v>8.01</c:v>
                 </c:pt>
                 <c:pt idx="3">
-                  <c:v>5</c:v>
+                  <c:v>7.79</c:v>
+                </c:pt>
+                <c:pt idx="4">
+                  <c:v>6.52</c:v>
                 </c:pt>
               </c:numCache>
             </c:numRef>
           </c:val>
           <c:extLst>
             <c:ext xmlns:c16="http://schemas.microsoft.com/office/drawing/2014/chart" uri="{C3380CC4-5D6E-409C-BE32-E72D297353CC}">
-              <c16:uniqueId val="{00000002-9CA3-4EA3-B951-4CA8C82FBF03}"/>
+              <c16:uniqueId val="{00000002-696D-4CE1-8943-95D416BB425D}"/>
+            </c:ext>
+          </c:extLst>
+        </c:ser>
+        <c:ser>
+          <c:idx val="3"/>
+          <c:order val="3"/>
+          <c:tx>
+            <c:strRef>
+              <c:f>Foglio1!$E$1</c:f>
+              <c:strCache>
+                <c:ptCount val="1"/>
+                <c:pt idx="0">
+                  <c:v>SUPERCOP ARM</c:v>
+                </c:pt>
+              </c:strCache>
+            </c:strRef>
+          </c:tx>
+          <c:spPr>
+            <a:solidFill>
+              <a:schemeClr val="accent4"/>
+            </a:solidFill>
+            <a:ln>
+              <a:noFill/>
+            </a:ln>
+            <a:effectLst/>
+          </c:spPr>
+          <c:invertIfNegative val="0"/>
+          <c:cat>
+            <c:strRef>
+              <c:f>Foglio1!$A$2:$A$6</c:f>
+              <c:strCache>
+                <c:ptCount val="5"/>
+                <c:pt idx="0">
+                  <c:v>SHA3 512</c:v>
+                </c:pt>
+                <c:pt idx="1">
+                  <c:v>SHA3 338</c:v>
+                </c:pt>
+                <c:pt idx="2">
+                  <c:v>SHA3 256</c:v>
+                </c:pt>
+                <c:pt idx="3">
+                  <c:v>SHAKE 256</c:v>
+                </c:pt>
+                <c:pt idx="4">
+                  <c:v>SHAKE 128</c:v>
+                </c:pt>
+              </c:strCache>
+            </c:strRef>
+          </c:cat>
+          <c:val>
+            <c:numRef>
+              <c:f>Foglio1!$E$2:$E$6</c:f>
+              <c:numCache>
+                <c:formatCode>General</c:formatCode>
+                <c:ptCount val="5"/>
+                <c:pt idx="0">
+                  <c:v>22.28</c:v>
+                </c:pt>
+                <c:pt idx="1">
+                  <c:v>15.42</c:v>
+                </c:pt>
+                <c:pt idx="2">
+                  <c:v>11.94</c:v>
+                </c:pt>
+                <c:pt idx="3">
+                  <c:v>11.83</c:v>
+                </c:pt>
+                <c:pt idx="4">
+                  <c:v>9.7100000000000009</c:v>
+                </c:pt>
+              </c:numCache>
+            </c:numRef>
+          </c:val>
+          <c:extLst>
+            <c:ext xmlns:c16="http://schemas.microsoft.com/office/drawing/2014/chart" uri="{C3380CC4-5D6E-409C-BE32-E72D297353CC}">
+              <c16:uniqueId val="{00000003-696D-4CE1-8943-95D416BB425D}"/>
+            </c:ext>
+          </c:extLst>
+        </c:ser>
+        <c:ser>
+          <c:idx val="4"/>
+          <c:order val="4"/>
+          <c:tx>
+            <c:strRef>
+              <c:f>Foglio1!$F$1</c:f>
+              <c:strCache>
+                <c:ptCount val="1"/>
+                <c:pt idx="0">
+                  <c:v>CROSS</c:v>
+                </c:pt>
+              </c:strCache>
+            </c:strRef>
+          </c:tx>
+          <c:spPr>
+            <a:solidFill>
+              <a:schemeClr val="accent5"/>
+            </a:solidFill>
+            <a:ln>
+              <a:noFill/>
+            </a:ln>
+            <a:effectLst/>
+          </c:spPr>
+          <c:invertIfNegative val="0"/>
+          <c:cat>
+            <c:strRef>
+              <c:f>Foglio1!$A$2:$A$6</c:f>
+              <c:strCache>
+                <c:ptCount val="5"/>
+                <c:pt idx="0">
+                  <c:v>SHA3 512</c:v>
+                </c:pt>
+                <c:pt idx="1">
+                  <c:v>SHA3 338</c:v>
+                </c:pt>
+                <c:pt idx="2">
+                  <c:v>SHA3 256</c:v>
+                </c:pt>
+                <c:pt idx="3">
+                  <c:v>SHAKE 256</c:v>
+                </c:pt>
+                <c:pt idx="4">
+                  <c:v>SHAKE 128</c:v>
+                </c:pt>
+              </c:strCache>
+            </c:strRef>
+          </c:cat>
+          <c:val>
+            <c:numRef>
+              <c:f>Foglio1!$F$2:$F$6</c:f>
+              <c:numCache>
+                <c:formatCode>General</c:formatCode>
+                <c:ptCount val="5"/>
+                <c:pt idx="0">
+                  <c:v>15.95</c:v>
+                </c:pt>
+                <c:pt idx="1">
+                  <c:v>11.59</c:v>
+                </c:pt>
+                <c:pt idx="2">
+                  <c:v>9.34</c:v>
+                </c:pt>
+                <c:pt idx="3">
+                  <c:v>9.36</c:v>
+                </c:pt>
+                <c:pt idx="4">
+                  <c:v>8.2200000000000006</c:v>
+                </c:pt>
+              </c:numCache>
+            </c:numRef>
+          </c:val>
+          <c:extLst>
+            <c:ext xmlns:c16="http://schemas.microsoft.com/office/drawing/2014/chart" uri="{C3380CC4-5D6E-409C-BE32-E72D297353CC}">
+              <c16:uniqueId val="{00000004-696D-4CE1-8943-95D416BB425D}"/>
             </c:ext>
           </c:extLst>
         </c:ser>
         <c:dLbls>
-          <c:dLblPos val="outEnd"/>
           <c:showLegendKey val="0"/>
-          <c:showVal val="1"/>
+          <c:showVal val="0"/>
           <c:showCatName val="0"/>
           <c:showSerName val="0"/>
           <c:showPercent val="0"/>
           <c:showBubbleSize val="0"/>
         </c:dLbls>
-        <c:gapWidth val="444"/>
-        <c:overlap val="-90"/>
-        <c:axId val="865882879"/>
-        <c:axId val="865876639"/>
+        <c:gapWidth val="219"/>
+        <c:overlap val="-27"/>
+        <c:axId val="163955055"/>
+        <c:axId val="163952655"/>
       </c:barChart>
       <c:catAx>
-        <c:axId val="865882879"/>
+        <c:axId val="163955055"/>
         <c:scaling>
           <c:orientation val="minMax"/>
         </c:scaling>
         <c:delete val="0"/>
         <c:axPos val="b"/>
-        <c:majorGridlines>
-          <c:spPr>
-            <a:ln w="9525" cap="flat" cmpd="sng" algn="ctr">
-              <a:solidFill>
-                <a:schemeClr val="tx1">
-                  <a:lumMod val="15000"/>
-                  <a:lumOff val="85000"/>
-                </a:schemeClr>
-              </a:solidFill>
-              <a:round/>
-            </a:ln>
-            <a:effectLst/>
-          </c:spPr>
-        </c:majorGridlines>
         <c:numFmt formatCode="General" sourceLinked="1"/>
         <c:majorTickMark val="none"/>
         <c:minorTickMark val="none"/>
@@ -641,7 +572,7 @@
           <a:lstStyle/>
           <a:p>
             <a:pPr>
-              <a:defRPr sz="1064" b="0" i="0" u="none" strike="noStrike" kern="1200" cap="all" spc="120" normalizeH="0" baseline="0">
+              <a:defRPr sz="1197" b="0" i="0" u="none" strike="noStrike" kern="1200" baseline="0">
                 <a:solidFill>
                   <a:schemeClr val="tx1">
                     <a:lumMod val="65000"/>
@@ -656,7 +587,7 @@
             <a:endParaRPr lang="it-IT"/>
           </a:p>
         </c:txPr>
-        <c:crossAx val="865876639"/>
+        <c:crossAx val="163952655"/>
         <c:crosses val="autoZero"/>
         <c:auto val="1"/>
         <c:lblAlgn val="ctr"/>
@@ -664,17 +595,113 @@
         <c:noMultiLvlLbl val="0"/>
       </c:catAx>
       <c:valAx>
-        <c:axId val="865876639"/>
+        <c:axId val="163952655"/>
         <c:scaling>
           <c:orientation val="minMax"/>
         </c:scaling>
-        <c:delete val="1"/>
+        <c:delete val="0"/>
         <c:axPos val="l"/>
+        <c:majorGridlines>
+          <c:spPr>
+            <a:ln w="9525" cap="flat" cmpd="sng" algn="ctr">
+              <a:solidFill>
+                <a:schemeClr val="tx1">
+                  <a:lumMod val="15000"/>
+                  <a:lumOff val="85000"/>
+                </a:schemeClr>
+              </a:solidFill>
+              <a:round/>
+            </a:ln>
+            <a:effectLst/>
+          </c:spPr>
+        </c:majorGridlines>
+        <c:title>
+          <c:tx>
+            <c:rich>
+              <a:bodyPr rot="-5400000" spcFirstLastPara="1" vertOverflow="ellipsis" vert="horz" wrap="square" anchor="ctr" anchorCtr="1"/>
+              <a:lstStyle/>
+              <a:p>
+                <a:pPr>
+                  <a:defRPr sz="1330" b="0" i="0" u="none" strike="noStrike" kern="1200" baseline="0">
+                    <a:solidFill>
+                      <a:schemeClr val="tx1">
+                        <a:lumMod val="65000"/>
+                        <a:lumOff val="35000"/>
+                      </a:schemeClr>
+                    </a:solidFill>
+                    <a:latin typeface="+mn-lt"/>
+                    <a:ea typeface="+mn-ea"/>
+                    <a:cs typeface="+mn-cs"/>
+                  </a:defRPr>
+                </a:pPr>
+                <a:r>
+                  <a:rPr lang="it-IT" dirty="0"/>
+                  <a:t>Cicli/Byte</a:t>
+                </a:r>
+              </a:p>
+            </c:rich>
+          </c:tx>
+          <c:overlay val="0"/>
+          <c:spPr>
+            <a:noFill/>
+            <a:ln>
+              <a:noFill/>
+            </a:ln>
+            <a:effectLst/>
+          </c:spPr>
+          <c:txPr>
+            <a:bodyPr rot="-5400000" spcFirstLastPara="1" vertOverflow="ellipsis" vert="horz" wrap="square" anchor="ctr" anchorCtr="1"/>
+            <a:lstStyle/>
+            <a:p>
+              <a:pPr>
+                <a:defRPr sz="1330" b="0" i="0" u="none" strike="noStrike" kern="1200" baseline="0">
+                  <a:solidFill>
+                    <a:schemeClr val="tx1">
+                      <a:lumMod val="65000"/>
+                      <a:lumOff val="35000"/>
+                    </a:schemeClr>
+                  </a:solidFill>
+                  <a:latin typeface="+mn-lt"/>
+                  <a:ea typeface="+mn-ea"/>
+                  <a:cs typeface="+mn-cs"/>
+                </a:defRPr>
+              </a:pPr>
+              <a:endParaRPr lang="it-IT"/>
+            </a:p>
+          </c:txPr>
+        </c:title>
         <c:numFmt formatCode="General" sourceLinked="1"/>
         <c:majorTickMark val="none"/>
         <c:minorTickMark val="none"/>
         <c:tickLblPos val="nextTo"/>
-        <c:crossAx val="865882879"/>
+        <c:spPr>
+          <a:noFill/>
+          <a:ln>
+            <a:noFill/>
+          </a:ln>
+          <a:effectLst/>
+        </c:spPr>
+        <c:txPr>
+          <a:bodyPr rot="-60000000" spcFirstLastPara="1" vertOverflow="ellipsis" vert="horz" wrap="square" anchor="ctr" anchorCtr="1"/>
+          <a:lstStyle/>
+          <a:p>
+            <a:pPr>
+              <a:defRPr sz="1197" b="0" i="0" u="none" strike="noStrike" kern="1200" baseline="0">
+                <a:solidFill>
+                  <a:schemeClr val="tx1">
+                    <a:lumMod val="65000"/>
+                    <a:lumOff val="35000"/>
+                  </a:schemeClr>
+                </a:solidFill>
+                <a:latin typeface="+mn-lt"/>
+                <a:ea typeface="+mn-ea"/>
+                <a:cs typeface="+mn-cs"/>
+              </a:defRPr>
+            </a:pPr>
+            <a:endParaRPr lang="it-IT"/>
+          </a:p>
+        </c:txPr>
+        <c:crossAx val="163955055"/>
         <c:crosses val="autoZero"/>
         <c:crossBetween val="between"/>
       </c:valAx>
@@ -687,7 +714,661 @@
       </c:spPr>
     </c:plotArea>
     <c:legend>
-      <c:legendPos val="t"/>
+      <c:legendPos val="b"/>
+      <c:overlay val="0"/>
+      <c:spPr>
+        <a:noFill/>
+        <a:ln>
+          <a:noFill/>
+        </a:ln>
+        <a:effectLst/>
+      </c:spPr>
+      <c:txPr>
+        <a:bodyPr rot="0" spcFirstLastPara="1" vertOverflow="ellipsis" vert="horz" wrap="square" anchor="ctr" anchorCtr="1"/>
+        <a:lstStyle/>
+        <a:p>
+          <a:pPr>
+            <a:defRPr sz="1197" b="0" i="0" u="none" strike="noStrike" kern="1200" baseline="0">
+              <a:solidFill>
+                <a:schemeClr val="tx1">
+                  <a:lumMod val="65000"/>
+                  <a:lumOff val="35000"/>
+                </a:schemeClr>
+              </a:solidFill>
+              <a:latin typeface="+mn-lt"/>
+              <a:ea typeface="+mn-ea"/>
+              <a:cs typeface="+mn-cs"/>
+            </a:defRPr>
+          </a:pPr>
+          <a:endParaRPr lang="it-IT"/>
+        </a:p>
+      </c:txPr>
+    </c:legend>
+    <c:plotVisOnly val="1"/>
+    <c:dispBlanksAs val="gap"/>
+    <c:extLst>
+      <c:ext xmlns:c16r3="http://schemas.microsoft.com/office/drawing/2017/03/chart" uri="{56B9EC1D-385E-4148-901F-78D8002777C0}">
+        <c16r3:dataDisplayOptions16>
+          <c16r3:dispNaAsBlank val="1"/>
+        </c16r3:dataDisplayOptions16>
+      </c:ext>
+    </c:extLst>
+    <c:showDLblsOverMax val="0"/>
+  </c:chart>
+  <c:spPr>
+    <a:noFill/>
+    <a:ln>
+      <a:noFill/>
+    </a:ln>
+    <a:effectLst/>
+  </c:spPr>
+  <c:txPr>
+    <a:bodyPr/>
+    <a:lstStyle/>
+    <a:p>
+      <a:pPr>
+        <a:defRPr/>
+      </a:pPr>
+      <a:endParaRPr lang="it-IT"/>
+    </a:p>
+  </c:txPr>
+  <c:externalData r:id="rId3">
+    <c:autoUpdate val="0"/>
+  </c:externalData>
+</c:chartSpace>
+</file>
+
+<file path=ppt/charts/chart2.xml><?xml version="1.0" encoding="utf-8"?>
+<c:chartSpace xmlns:c="http://schemas.openxmlformats.org/drawingml/2006/chart" xmlns:a="http://schemas.openxmlformats.org/drawingml/2006/main" xmlns:r="http://schemas.openxmlformats.org/officeDocument/2006/relationships" xmlns:c16r2="http://schemas.microsoft.com/office/drawing/2015/06/chart">
+  <c:date1904 val="0"/>
+  <c:lang val="it-IT"/>
+  <c:roundedCorners val="0"/>
+  <mc:AlternateContent xmlns:mc="http://schemas.openxmlformats.org/markup-compatibility/2006">
+    <mc:Choice xmlns:c14="http://schemas.microsoft.com/office/drawing/2007/8/2/chart" Requires="c14">
+      <c14:style val="102"/>
+    </mc:Choice>
+    <mc:Fallback>
+      <c:style val="2"/>
+    </mc:Fallback>
+  </mc:AlternateContent>
+  <c:chart>
+    <c:autoTitleDeleted val="1"/>
+    <c:plotArea>
+      <c:layout/>
+      <c:barChart>
+        <c:barDir val="col"/>
+        <c:grouping val="clustered"/>
+        <c:varyColors val="0"/>
+        <c:ser>
+          <c:idx val="0"/>
+          <c:order val="0"/>
+          <c:tx>
+            <c:strRef>
+              <c:f>Foglio1!$B$1</c:f>
+              <c:strCache>
+                <c:ptCount val="1"/>
+                <c:pt idx="0">
+                  <c:v>x86</c:v>
+                </c:pt>
+              </c:strCache>
+            </c:strRef>
+          </c:tx>
+          <c:spPr>
+            <a:solidFill>
+              <a:schemeClr val="accent1"/>
+            </a:solidFill>
+            <a:ln>
+              <a:noFill/>
+            </a:ln>
+            <a:effectLst/>
+          </c:spPr>
+          <c:invertIfNegative val="0"/>
+          <c:cat>
+            <c:strRef>
+              <c:f>Foglio1!$A$2:$A$6</c:f>
+              <c:strCache>
+                <c:ptCount val="5"/>
+                <c:pt idx="0">
+                  <c:v>SHA3 512</c:v>
+                </c:pt>
+                <c:pt idx="1">
+                  <c:v>SHA3 338</c:v>
+                </c:pt>
+                <c:pt idx="2">
+                  <c:v>SHA3 256</c:v>
+                </c:pt>
+                <c:pt idx="3">
+                  <c:v>SHAKE 256</c:v>
+                </c:pt>
+                <c:pt idx="4">
+                  <c:v>SHAKE 128</c:v>
+                </c:pt>
+              </c:strCache>
+            </c:strRef>
+          </c:cat>
+          <c:val>
+            <c:numRef>
+              <c:f>Foglio1!$B$2:$B$6</c:f>
+              <c:numCache>
+                <c:formatCode>General</c:formatCode>
+                <c:ptCount val="5"/>
+                <c:pt idx="0">
+                  <c:v>10.89</c:v>
+                </c:pt>
+                <c:pt idx="1">
+                  <c:v>7.57</c:v>
+                </c:pt>
+                <c:pt idx="2">
+                  <c:v>5.86</c:v>
+                </c:pt>
+                <c:pt idx="3">
+                  <c:v>5.95</c:v>
+                </c:pt>
+                <c:pt idx="4">
+                  <c:v>4.7699999999999996</c:v>
+                </c:pt>
+              </c:numCache>
+            </c:numRef>
+          </c:val>
+          <c:extLst>
+            <c:ext xmlns:c16="http://schemas.microsoft.com/office/drawing/2014/chart" uri="{C3380CC4-5D6E-409C-BE32-E72D297353CC}">
+              <c16:uniqueId val="{00000000-696D-4CE1-8943-95D416BB425D}"/>
+            </c:ext>
+          </c:extLst>
+        </c:ser>
+        <c:ser>
+          <c:idx val="1"/>
+          <c:order val="1"/>
+          <c:tx>
+            <c:strRef>
+              <c:f>Foglio1!$C$1</c:f>
+              <c:strCache>
+                <c:ptCount val="1"/>
+                <c:pt idx="0">
+                  <c:v>SUPERCOP x86</c:v>
+                </c:pt>
+              </c:strCache>
+            </c:strRef>
+          </c:tx>
+          <c:spPr>
+            <a:solidFill>
+              <a:schemeClr val="accent2"/>
+            </a:solidFill>
+            <a:ln>
+              <a:noFill/>
+            </a:ln>
+            <a:effectLst/>
+          </c:spPr>
+          <c:invertIfNegative val="0"/>
+          <c:cat>
+            <c:strRef>
+              <c:f>Foglio1!$A$2:$A$6</c:f>
+              <c:strCache>
+                <c:ptCount val="5"/>
+                <c:pt idx="0">
+                  <c:v>SHA3 512</c:v>
+                </c:pt>
+                <c:pt idx="1">
+                  <c:v>SHA3 338</c:v>
+                </c:pt>
+                <c:pt idx="2">
+                  <c:v>SHA3 256</c:v>
+                </c:pt>
+                <c:pt idx="3">
+                  <c:v>SHAKE 256</c:v>
+                </c:pt>
+                <c:pt idx="4">
+                  <c:v>SHAKE 128</c:v>
+                </c:pt>
+              </c:strCache>
+            </c:strRef>
+          </c:cat>
+          <c:val>
+            <c:numRef>
+              <c:f>Foglio1!$C$2:$C$6</c:f>
+              <c:numCache>
+                <c:formatCode>General</c:formatCode>
+                <c:ptCount val="5"/>
+                <c:pt idx="0">
+                  <c:v>12.64</c:v>
+                </c:pt>
+                <c:pt idx="1">
+                  <c:v>8.7200000000000006</c:v>
+                </c:pt>
+                <c:pt idx="2">
+                  <c:v>6.88</c:v>
+                </c:pt>
+                <c:pt idx="3">
+                  <c:v>6.91</c:v>
+                </c:pt>
+                <c:pt idx="4">
+                  <c:v>5.54</c:v>
+                </c:pt>
+              </c:numCache>
+            </c:numRef>
+          </c:val>
+          <c:extLst>
+            <c:ext xmlns:c16="http://schemas.microsoft.com/office/drawing/2014/chart" uri="{C3380CC4-5D6E-409C-BE32-E72D297353CC}">
+              <c16:uniqueId val="{00000001-696D-4CE1-8943-95D416BB425D}"/>
+            </c:ext>
+          </c:extLst>
+        </c:ser>
+        <c:ser>
+          <c:idx val="2"/>
+          <c:order val="2"/>
+          <c:tx>
+            <c:strRef>
+              <c:f>Foglio1!$D$1</c:f>
+              <c:strCache>
+                <c:ptCount val="1"/>
+                <c:pt idx="0">
+                  <c:v>ARM</c:v>
+                </c:pt>
+              </c:strCache>
+            </c:strRef>
+          </c:tx>
+          <c:spPr>
+            <a:solidFill>
+              <a:schemeClr val="accent3"/>
+            </a:solidFill>
+            <a:ln>
+              <a:noFill/>
+            </a:ln>
+            <a:effectLst/>
+          </c:spPr>
+          <c:invertIfNegative val="0"/>
+          <c:cat>
+            <c:strRef>
+              <c:f>Foglio1!$A$2:$A$6</c:f>
+              <c:strCache>
+                <c:ptCount val="5"/>
+                <c:pt idx="0">
+                  <c:v>SHA3 512</c:v>
+                </c:pt>
+                <c:pt idx="1">
+                  <c:v>SHA3 338</c:v>
+                </c:pt>
+                <c:pt idx="2">
+                  <c:v>SHA3 256</c:v>
+                </c:pt>
+                <c:pt idx="3">
+                  <c:v>SHAKE 256</c:v>
+                </c:pt>
+                <c:pt idx="4">
+                  <c:v>SHAKE 128</c:v>
+                </c:pt>
+              </c:strCache>
+            </c:strRef>
+          </c:cat>
+          <c:val>
+            <c:numRef>
+              <c:f>Foglio1!$D$2:$D$6</c:f>
+              <c:numCache>
+                <c:formatCode>General</c:formatCode>
+                <c:ptCount val="5"/>
+                <c:pt idx="0">
+                  <c:v>14.91</c:v>
+                </c:pt>
+                <c:pt idx="1">
+                  <c:v>10.28</c:v>
+                </c:pt>
+                <c:pt idx="2">
+                  <c:v>8.01</c:v>
+                </c:pt>
+                <c:pt idx="3">
+                  <c:v>7.79</c:v>
+                </c:pt>
+                <c:pt idx="4">
+                  <c:v>6.52</c:v>
+                </c:pt>
+              </c:numCache>
+            </c:numRef>
+          </c:val>
+          <c:extLst>
+            <c:ext xmlns:c16="http://schemas.microsoft.com/office/drawing/2014/chart" uri="{C3380CC4-5D6E-409C-BE32-E72D297353CC}">
+              <c16:uniqueId val="{00000002-696D-4CE1-8943-95D416BB425D}"/>
+            </c:ext>
+          </c:extLst>
+        </c:ser>
+        <c:ser>
+          <c:idx val="3"/>
+          <c:order val="3"/>
+          <c:tx>
+            <c:strRef>
+              <c:f>Foglio1!$E$1</c:f>
+              <c:strCache>
+                <c:ptCount val="1"/>
+                <c:pt idx="0">
+                  <c:v>SUPERCOP ARM</c:v>
+                </c:pt>
+              </c:strCache>
+            </c:strRef>
+          </c:tx>
+          <c:spPr>
+            <a:solidFill>
+              <a:schemeClr val="accent4"/>
+            </a:solidFill>
+            <a:ln>
+              <a:noFill/>
+            </a:ln>
+            <a:effectLst/>
+          </c:spPr>
+          <c:invertIfNegative val="0"/>
+          <c:cat>
+            <c:strRef>
+              <c:f>Foglio1!$A$2:$A$6</c:f>
+              <c:strCache>
+                <c:ptCount val="5"/>
+                <c:pt idx="0">
+                  <c:v>SHA3 512</c:v>
+                </c:pt>
+                <c:pt idx="1">
+                  <c:v>SHA3 338</c:v>
+                </c:pt>
+                <c:pt idx="2">
+                  <c:v>SHA3 256</c:v>
+                </c:pt>
+                <c:pt idx="3">
+                  <c:v>SHAKE 256</c:v>
+                </c:pt>
+                <c:pt idx="4">
+                  <c:v>SHAKE 128</c:v>
+                </c:pt>
+              </c:strCache>
+            </c:strRef>
+          </c:cat>
+          <c:val>
+            <c:numRef>
+              <c:f>Foglio1!$E$2:$E$6</c:f>
+              <c:numCache>
+                <c:formatCode>General</c:formatCode>
+                <c:ptCount val="5"/>
+                <c:pt idx="0">
+                  <c:v>22.28</c:v>
+                </c:pt>
+                <c:pt idx="1">
+                  <c:v>15.42</c:v>
+                </c:pt>
+                <c:pt idx="2">
+                  <c:v>11.94</c:v>
+                </c:pt>
+                <c:pt idx="3">
+                  <c:v>11.83</c:v>
+                </c:pt>
+                <c:pt idx="4">
+                  <c:v>9.7100000000000009</c:v>
+                </c:pt>
+              </c:numCache>
+            </c:numRef>
+          </c:val>
+          <c:extLst>
+            <c:ext xmlns:c16="http://schemas.microsoft.com/office/drawing/2014/chart" uri="{C3380CC4-5D6E-409C-BE32-E72D297353CC}">
+              <c16:uniqueId val="{00000003-696D-4CE1-8943-95D416BB425D}"/>
+            </c:ext>
+          </c:extLst>
+        </c:ser>
+        <c:ser>
+          <c:idx val="4"/>
+          <c:order val="4"/>
+          <c:tx>
+            <c:strRef>
+              <c:f>Foglio1!$F$1</c:f>
+              <c:strCache>
+                <c:ptCount val="1"/>
+                <c:pt idx="0">
+                  <c:v>CROSS</c:v>
+                </c:pt>
+              </c:strCache>
+            </c:strRef>
+          </c:tx>
+          <c:spPr>
+            <a:solidFill>
+              <a:schemeClr val="accent5"/>
+            </a:solidFill>
+            <a:ln>
+              <a:noFill/>
+            </a:ln>
+            <a:effectLst/>
+          </c:spPr>
+          <c:invertIfNegative val="0"/>
+          <c:cat>
+            <c:strRef>
+              <c:f>Foglio1!$A$2:$A$6</c:f>
+              <c:strCache>
+                <c:ptCount val="5"/>
+                <c:pt idx="0">
+                  <c:v>SHA3 512</c:v>
+                </c:pt>
+                <c:pt idx="1">
+                  <c:v>SHA3 338</c:v>
+                </c:pt>
+                <c:pt idx="2">
+                  <c:v>SHA3 256</c:v>
+                </c:pt>
+                <c:pt idx="3">
+                  <c:v>SHAKE 256</c:v>
+                </c:pt>
+                <c:pt idx="4">
+                  <c:v>SHAKE 128</c:v>
+                </c:pt>
+              </c:strCache>
+            </c:strRef>
+          </c:cat>
+          <c:val>
+            <c:numRef>
+              <c:f>Foglio1!$F$2:$F$6</c:f>
+              <c:numCache>
+                <c:formatCode>General</c:formatCode>
+                <c:ptCount val="5"/>
+                <c:pt idx="0">
+                  <c:v>15.95</c:v>
+                </c:pt>
+                <c:pt idx="1">
+                  <c:v>11.59</c:v>
+                </c:pt>
+                <c:pt idx="2">
+                  <c:v>9.34</c:v>
+                </c:pt>
+                <c:pt idx="3">
+                  <c:v>9.36</c:v>
+                </c:pt>
+                <c:pt idx="4">
+                  <c:v>8.2200000000000006</c:v>
+                </c:pt>
+              </c:numCache>
+            </c:numRef>
+          </c:val>
+          <c:extLst>
+            <c:ext xmlns:c16="http://schemas.microsoft.com/office/drawing/2014/chart" uri="{C3380CC4-5D6E-409C-BE32-E72D297353CC}">
+              <c16:uniqueId val="{00000004-696D-4CE1-8943-95D416BB425D}"/>
+            </c:ext>
+          </c:extLst>
+        </c:ser>
+        <c:dLbls>
+          <c:showLegendKey val="0"/>
+          <c:showVal val="0"/>
+          <c:showCatName val="0"/>
+          <c:showSerName val="0"/>
+          <c:showPercent val="0"/>
+          <c:showBubbleSize val="0"/>
+        </c:dLbls>
+        <c:gapWidth val="219"/>
+        <c:overlap val="-27"/>
+        <c:axId val="163955055"/>
+        <c:axId val="163952655"/>
+      </c:barChart>
+      <c:catAx>
+        <c:axId val="163955055"/>
+        <c:scaling>
+          <c:orientation val="minMax"/>
+        </c:scaling>
+        <c:delete val="0"/>
+        <c:axPos val="b"/>
+        <c:numFmt formatCode="General" sourceLinked="1"/>
+        <c:majorTickMark val="none"/>
+        <c:minorTickMark val="none"/>
+        <c:tickLblPos val="nextTo"/>
+        <c:spPr>
+          <a:noFill/>
+          <a:ln w="9525" cap="flat" cmpd="sng" algn="ctr">
+            <a:solidFill>
+              <a:schemeClr val="tx1">
+                <a:lumMod val="15000"/>
+                <a:lumOff val="85000"/>
+              </a:schemeClr>
+            </a:solidFill>
+            <a:round/>
+          </a:ln>
+          <a:effectLst/>
+        </c:spPr>
+        <c:txPr>
+          <a:bodyPr rot="-60000000" spcFirstLastPara="1" vertOverflow="ellipsis" vert="horz" wrap="square" anchor="ctr" anchorCtr="1"/>
+          <a:lstStyle/>
+          <a:p>
+            <a:pPr>
+              <a:defRPr sz="1197" b="0" i="0" u="none" strike="noStrike" kern="1200" baseline="0">
+                <a:solidFill>
+                  <a:schemeClr val="tx1">
+                    <a:lumMod val="65000"/>
+                    <a:lumOff val="35000"/>
+                  </a:schemeClr>
+                </a:solidFill>
+                <a:latin typeface="+mn-lt"/>
+                <a:ea typeface="+mn-ea"/>
+                <a:cs typeface="+mn-cs"/>
+              </a:defRPr>
+            </a:pPr>
+            <a:endParaRPr lang="it-IT"/>
+          </a:p>
+        </c:txPr>
+        <c:crossAx val="163952655"/>
+        <c:crosses val="autoZero"/>
+        <c:auto val="1"/>
+        <c:lblAlgn val="ctr"/>
+        <c:lblOffset val="100"/>
+        <c:noMultiLvlLbl val="0"/>
+      </c:catAx>
+      <c:valAx>
+        <c:axId val="163952655"/>
+        <c:scaling>
+          <c:orientation val="minMax"/>
+        </c:scaling>
+        <c:delete val="0"/>
+        <c:axPos val="l"/>
+        <c:majorGridlines>
+          <c:spPr>
+            <a:ln w="9525" cap="flat" cmpd="sng" algn="ctr">
+              <a:solidFill>
+                <a:schemeClr val="tx1">
+                  <a:lumMod val="15000"/>
+                  <a:lumOff val="85000"/>
+                </a:schemeClr>
+              </a:solidFill>
+              <a:round/>
+            </a:ln>
+            <a:effectLst/>
+          </c:spPr>
+        </c:majorGridlines>
+        <c:title>
+          <c:tx>
+            <c:rich>
+              <a:bodyPr rot="-5400000" spcFirstLastPara="1" vertOverflow="ellipsis" vert="horz" wrap="square" anchor="ctr" anchorCtr="1"/>
+              <a:lstStyle/>
+              <a:p>
+                <a:pPr>
+                  <a:defRPr sz="1330" b="0" i="0" u="none" strike="noStrike" kern="1200" baseline="0">
+                    <a:solidFill>
+                      <a:schemeClr val="tx1">
+                        <a:lumMod val="65000"/>
+                        <a:lumOff val="35000"/>
+                      </a:schemeClr>
+                    </a:solidFill>
+                    <a:latin typeface="+mn-lt"/>
+                    <a:ea typeface="+mn-ea"/>
+                    <a:cs typeface="+mn-cs"/>
+                  </a:defRPr>
+                </a:pPr>
+                <a:r>
+                  <a:rPr lang="it-IT" dirty="0"/>
+                  <a:t>Cicli/Byte</a:t>
+                </a:r>
+              </a:p>
+            </c:rich>
+          </c:tx>
+          <c:overlay val="0"/>
+          <c:spPr>
+            <a:noFill/>
+            <a:ln>
+              <a:noFill/>
+            </a:ln>
+            <a:effectLst/>
+          </c:spPr>
+          <c:txPr>
+            <a:bodyPr rot="-5400000" spcFirstLastPara="1" vertOverflow="ellipsis" vert="horz" wrap="square" anchor="ctr" anchorCtr="1"/>
+            <a:lstStyle/>
+            <a:p>
+              <a:pPr>
+                <a:defRPr sz="1330" b="0" i="0" u="none" strike="noStrike" kern="1200" baseline="0">
+                  <a:solidFill>
+                    <a:schemeClr val="tx1">
+                      <a:lumMod val="65000"/>
+                      <a:lumOff val="35000"/>
+                    </a:schemeClr>
+                  </a:solidFill>
+                  <a:latin typeface="+mn-lt"/>
+                  <a:ea typeface="+mn-ea"/>
+                  <a:cs typeface="+mn-cs"/>
+                </a:defRPr>
+              </a:pPr>
+              <a:endParaRPr lang="it-IT"/>
+            </a:p>
+          </c:txPr>
+        </c:title>
+        <c:numFmt formatCode="General" sourceLinked="1"/>
+        <c:majorTickMark val="none"/>
+        <c:minorTickMark val="none"/>
+        <c:tickLblPos val="nextTo"/>
+        <c:spPr>
+          <a:noFill/>
+          <a:ln>
+            <a:noFill/>
+          </a:ln>
+          <a:effectLst/>
+        </c:spPr>
+        <c:txPr>
+          <a:bodyPr rot="-60000000" spcFirstLastPara="1" vertOverflow="ellipsis" vert="horz" wrap="square" anchor="ctr" anchorCtr="1"/>
+          <a:lstStyle/>
+          <a:p>
+            <a:pPr>
+              <a:defRPr sz="1197" b="0" i="0" u="none" strike="noStrike" kern="1200" baseline="0">
+                <a:solidFill>
+                  <a:schemeClr val="tx1">
+                    <a:lumMod val="65000"/>
+                    <a:lumOff val="35000"/>
+                  </a:schemeClr>
+                </a:solidFill>
+                <a:latin typeface="+mn-lt"/>
+                <a:ea typeface="+mn-ea"/>
+                <a:cs typeface="+mn-cs"/>
+              </a:defRPr>
+            </a:pPr>
+            <a:endParaRPr lang="it-IT"/>
+          </a:p>
+        </c:txPr>
+        <c:crossAx val="163955055"/>
+        <c:crosses val="autoZero"/>
+        <c:crossBetween val="between"/>
+      </c:valAx>
+      <c:spPr>
+        <a:noFill/>
+        <a:ln>
+          <a:noFill/>
+        </a:ln>
+        <a:effectLst/>
+      </c:spPr>
+    </c:plotArea>
+    <c:legend>
+      <c:legendPos val="b"/>
       <c:overlay val="0"/>
       <c:spPr>
         <a:noFill/>
@@ -791,8 +1472,48 @@
 </cs:colorStyle>
 </file>
 
+<file path=ppt/charts/colors2.xml><?xml version="1.0" encoding="utf-8"?>
+<cs:colorStyle xmlns:cs="http://schemas.microsoft.com/office/drawing/2012/chartStyle" xmlns:a="http://schemas.openxmlformats.org/drawingml/2006/main" meth="cycle" id="10">
+  <a:schemeClr val="accent1"/>
+  <a:schemeClr val="accent2"/>
+  <a:schemeClr val="accent3"/>
+  <a:schemeClr val="accent4"/>
+  <a:schemeClr val="accent5"/>
+  <a:schemeClr val="accent6"/>
+  <cs:variation/>
+  <cs:variation>
+    <a:lumMod val="60000"/>
+  </cs:variation>
+  <cs:variation>
+    <a:lumMod val="80000"/>
+    <a:lumOff val="20000"/>
+  </cs:variation>
+  <cs:variation>
+    <a:lumMod val="80000"/>
+  </cs:variation>
+  <cs:variation>
+    <a:lumMod val="60000"/>
+    <a:lumOff val="40000"/>
+  </cs:variation>
+  <cs:variation>
+    <a:lumMod val="50000"/>
+  </cs:variation>
+  <cs:variation>
+    <a:lumMod val="70000"/>
+    <a:lumOff val="30000"/>
+  </cs:variation>
+  <cs:variation>
+    <a:lumMod val="70000"/>
+  </cs:variation>
+  <cs:variation>
+    <a:lumMod val="50000"/>
+    <a:lumOff val="50000"/>
+  </cs:variation>
+</cs:colorStyle>
+</file>
+
 <file path=ppt/charts/style1.xml><?xml version="1.0" encoding="utf-8"?>
-<cs:chartStyle xmlns:cs="http://schemas.microsoft.com/office/drawing/2012/chartStyle" xmlns:a="http://schemas.openxmlformats.org/drawingml/2006/main" id="202">
+<cs:chartStyle xmlns:cs="http://schemas.microsoft.com/office/drawing/2012/chartStyle" xmlns:a="http://schemas.openxmlformats.org/drawingml/2006/main" id="201">
   <cs:axisTitle>
     <cs:lnRef idx="0"/>
     <cs:fillRef idx="0"/>
@@ -803,7 +1524,7 @@
         <a:lumOff val="35000"/>
       </a:schemeClr>
     </cs:fontRef>
-    <cs:defRPr sz="1197" kern="1200" cap="all"/>
+    <cs:defRPr sz="1330" kern="1200"/>
   </cs:axisTitle>
   <cs:categoryAxis>
     <cs:lnRef idx="0"/>
@@ -826,18 +1547,18 @@
         <a:round/>
       </a:ln>
     </cs:spPr>
-    <cs:defRPr sz="1064" kern="1200" cap="all" spc="120" normalizeH="0" baseline="0"/>
+    <cs:defRPr sz="1197" kern="1200"/>
   </cs:categoryAxis>
   <cs:chartArea mods="allowNoFillOverride allowNoLineOverride">
     <cs:lnRef idx="0"/>
     <cs:fillRef idx="0"/>
     <cs:effectRef idx="0"/>
     <cs:fontRef idx="minor">
-      <a:schemeClr val="dk1"/>
+      <a:schemeClr val="tx1"/>
     </cs:fontRef>
     <cs:spPr>
       <a:solidFill>
-        <a:schemeClr val="lt1"/>
+        <a:schemeClr val="bg1"/>
       </a:solidFill>
       <a:ln w="9525" cap="flat" cmpd="sng" algn="ctr">
         <a:solidFill>
@@ -849,7 +1570,7 @@
         <a:round/>
       </a:ln>
     </cs:spPr>
-    <cs:defRPr sz="1197" kern="1200"/>
+    <cs:defRPr sz="1330" kern="1200"/>
   </cs:chartArea>
   <cs:dataLabel>
     <cs:lnRef idx="0"/>
@@ -857,14 +1578,11 @@
     <cs:effectRef idx="0"/>
     <cs:fontRef idx="minor">
       <a:schemeClr val="tx1">
-        <a:lumMod val="50000"/>
-        <a:lumOff val="50000"/>
+        <a:lumMod val="75000"/>
+        <a:lumOff val="25000"/>
       </a:schemeClr>
     </cs:fontRef>
-    <cs:defRPr sz="1064" b="0" i="0" u="none" strike="noStrike" kern="1200" baseline="0"/>
-    <cs:bodyPr rot="-5400000" spcFirstLastPara="1" vertOverflow="clip" horzOverflow="clip" vert="horz" wrap="square" lIns="38100" tIns="19050" rIns="38100" bIns="19050" anchor="ctr" anchorCtr="1">
-      <a:spAutoFit/>
-    </cs:bodyPr>
+    <cs:defRPr sz="1197" kern="1200"/>
   </cs:dataLabel>
   <cs:dataLabelCallout>
     <cs:lnRef idx="0"/>
@@ -896,45 +1614,35 @@
   </cs:dataLabelCallout>
   <cs:dataPoint>
     <cs:lnRef idx="0"/>
-    <cs:fillRef idx="0">
+    <cs:fillRef idx="1">
       <cs:styleClr val="auto"/>
     </cs:fillRef>
     <cs:effectRef idx="0"/>
     <cs:fontRef idx="minor">
-      <a:schemeClr val="dk1"/>
+      <a:schemeClr val="tx1"/>
     </cs:fontRef>
-    <cs:spPr>
-      <a:solidFill>
-        <a:schemeClr val="phClr"/>
-      </a:solidFill>
-    </cs:spPr>
   </cs:dataPoint>
   <cs:dataPoint3D>
     <cs:lnRef idx="0"/>
-    <cs:fillRef idx="0">
+    <cs:fillRef idx="1">
       <cs:styleClr val="auto"/>
     </cs:fillRef>
     <cs:effectRef idx="0"/>
     <cs:fontRef idx="minor">
-      <a:schemeClr val="dk1"/>
+      <a:schemeClr val="tx1"/>
     </cs:fontRef>
-    <cs:spPr>
-      <a:solidFill>
-        <a:schemeClr val="phClr"/>
-      </a:solidFill>
-    </cs:spPr>
   </cs:dataPoint3D>
   <cs:dataPointLine>
     <cs:lnRef idx="0">
       <cs:styleClr val="auto"/>
     </cs:lnRef>
-    <cs:fillRef idx="0"/>
+    <cs:fillRef idx="1"/>
     <cs:effectRef idx="0"/>
     <cs:fontRef idx="minor">
-      <a:schemeClr val="dk1"/>
+      <a:schemeClr val="tx1"/>
     </cs:fontRef>
     <cs:spPr>
-      <a:ln w="22225" cap="rnd">
+      <a:ln w="28575" cap="rnd">
         <a:solidFill>
           <a:schemeClr val="phClr"/>
         </a:solidFill>
@@ -946,34 +1654,30 @@
     <cs:lnRef idx="0">
       <cs:styleClr val="auto"/>
     </cs:lnRef>
-    <cs:fillRef idx="0">
+    <cs:fillRef idx="1">
       <cs:styleClr val="auto"/>
     </cs:fillRef>
     <cs:effectRef idx="0"/>
     <cs:fontRef idx="minor">
-      <a:schemeClr val="dk1"/>
+      <a:schemeClr val="tx1"/>
     </cs:fontRef>
     <cs:spPr>
-      <a:solidFill>
-        <a:schemeClr val="phClr"/>
-      </a:solidFill>
       <a:ln w="9525">
         <a:solidFill>
           <a:schemeClr val="phClr"/>
         </a:solidFill>
-        <a:round/>
       </a:ln>
     </cs:spPr>
   </cs:dataPointMarker>
-  <cs:dataPointMarkerLayout size="6"/>
+  <cs:dataPointMarkerLayout symbol="circle" size="5"/>
   <cs:dataPointWireframe>
     <cs:lnRef idx="0">
       <cs:styleClr val="auto"/>
     </cs:lnRef>
-    <cs:fillRef idx="0"/>
+    <cs:fillRef idx="1"/>
     <cs:effectRef idx="0"/>
     <cs:fontRef idx="minor">
-      <a:schemeClr val="dk1"/>
+      <a:schemeClr val="tx1"/>
     </cs:fontRef>
     <cs:spPr>
       <a:ln w="9525" cap="rnd">
@@ -995,13 +1699,15 @@
       </a:schemeClr>
     </cs:fontRef>
     <cs:spPr>
-      <a:ln w="9525">
+      <a:noFill/>
+      <a:ln w="9525" cap="flat" cmpd="sng" algn="ctr">
         <a:solidFill>
           <a:schemeClr val="tx1">
             <a:lumMod val="15000"/>
             <a:lumOff val="85000"/>
           </a:schemeClr>
         </a:solidFill>
+        <a:round/>
       </a:ln>
     </cs:spPr>
     <cs:defRPr sz="1197" kern="1200"/>
@@ -1016,15 +1722,15 @@
     <cs:spPr>
       <a:solidFill>
         <a:schemeClr val="dk1">
-          <a:lumMod val="75000"/>
-          <a:lumOff val="25000"/>
+          <a:lumMod val="65000"/>
+          <a:lumOff val="35000"/>
         </a:schemeClr>
       </a:solidFill>
       <a:ln w="9525">
         <a:solidFill>
           <a:schemeClr val="tx1">
-            <a:lumMod val="15000"/>
-            <a:lumOff val="85000"/>
+            <a:lumMod val="65000"/>
+            <a:lumOff val="35000"/>
           </a:schemeClr>
         </a:solidFill>
       </a:ln>
@@ -1035,16 +1741,17 @@
     <cs:fillRef idx="0"/>
     <cs:effectRef idx="0"/>
     <cs:fontRef idx="minor">
-      <a:schemeClr val="dk1"/>
+      <a:schemeClr val="tx1"/>
     </cs:fontRef>
     <cs:spPr>
-      <a:ln w="9525">
+      <a:ln w="9525" cap="flat" cmpd="sng" algn="ctr">
         <a:solidFill>
           <a:schemeClr val="tx1">
             <a:lumMod val="35000"/>
             <a:lumOff val="65000"/>
           </a:schemeClr>
         </a:solidFill>
+        <a:round/>
       </a:ln>
     </cs:spPr>
   </cs:dropLine>
@@ -1053,10 +1760,10 @@
     <cs:fillRef idx="0"/>
     <cs:effectRef idx="0"/>
     <cs:fontRef idx="minor">
-      <a:schemeClr val="dk1"/>
+      <a:schemeClr val="tx1"/>
     </cs:fontRef>
     <cs:spPr>
-      <a:ln w="9525">
+      <a:ln w="9525" cap="flat" cmpd="sng" algn="ctr">
         <a:solidFill>
           <a:schemeClr val="tx1">
             <a:lumMod val="65000"/>
@@ -1072,15 +1779,21 @@
     <cs:fillRef idx="0"/>
     <cs:effectRef idx="0"/>
     <cs:fontRef idx="minor">
-      <a:schemeClr val="dk1"/>
+      <a:schemeClr val="tx1"/>
     </cs:fontRef>
+    <cs:spPr>
+      <a:noFill/>
+      <a:ln>
+        <a:noFill/>
+      </a:ln>
+    </cs:spPr>
   </cs:floor>
   <cs:gridlineMajor>
     <cs:lnRef idx="0"/>
     <cs:fillRef idx="0"/>
     <cs:effectRef idx="0"/>
     <cs:fontRef idx="minor">
-      <a:schemeClr val="dk1"/>
+      <a:schemeClr val="tx1"/>
     </cs:fontRef>
     <cs:spPr>
       <a:ln w="9525" cap="flat" cmpd="sng" algn="ctr">
@@ -1099,16 +1812,17 @@
     <cs:fillRef idx="0"/>
     <cs:effectRef idx="0"/>
     <cs:fontRef idx="minor">
-      <a:schemeClr val="dk1"/>
+      <a:schemeClr val="tx1"/>
     </cs:fontRef>
     <cs:spPr>
-      <a:ln>
+      <a:ln w="9525" cap="flat" cmpd="sng" algn="ctr">
         <a:solidFill>
           <a:schemeClr val="tx1">
             <a:lumMod val="5000"/>
             <a:lumOff val="95000"/>
           </a:schemeClr>
         </a:solidFill>
+        <a:round/>
       </a:ln>
     </cs:spPr>
   </cs:gridlineMinor>
@@ -1117,16 +1831,17 @@
     <cs:fillRef idx="0"/>
     <cs:effectRef idx="0"/>
     <cs:fontRef idx="minor">
-      <a:schemeClr val="dk1"/>
+      <a:schemeClr val="tx1"/>
     </cs:fontRef>
     <cs:spPr>
-      <a:ln w="9525">
+      <a:ln w="9525" cap="flat" cmpd="sng" algn="ctr">
         <a:solidFill>
           <a:schemeClr val="tx1">
-            <a:lumMod val="50000"/>
-            <a:lumOff val="50000"/>
+            <a:lumMod val="75000"/>
+            <a:lumOff val="25000"/>
           </a:schemeClr>
         </a:solidFill>
+        <a:round/>
       </a:ln>
     </cs:spPr>
   </cs:hiLoLine>
@@ -1135,16 +1850,17 @@
     <cs:fillRef idx="0"/>
     <cs:effectRef idx="0"/>
     <cs:fontRef idx="minor">
-      <a:schemeClr val="dk1"/>
+      <a:schemeClr val="tx1"/>
     </cs:fontRef>
     <cs:spPr>
-      <a:ln w="9525">
+      <a:ln w="9525" cap="flat" cmpd="sng" algn="ctr">
         <a:solidFill>
           <a:schemeClr val="tx1">
             <a:lumMod val="35000"/>
             <a:lumOff val="65000"/>
           </a:schemeClr>
         </a:solidFill>
+        <a:round/>
       </a:ln>
     </cs:spPr>
   </cs:leaderLine>
@@ -1165,7 +1881,7 @@
     <cs:fillRef idx="0"/>
     <cs:effectRef idx="0"/>
     <cs:fontRef idx="minor">
-      <a:schemeClr val="dk1"/>
+      <a:schemeClr val="tx1"/>
     </cs:fontRef>
   </cs:plotArea>
   <cs:plotArea3D mods="allowNoFillOverride allowNoLineOverride">
@@ -1173,10 +1889,147 @@
     <cs:fillRef idx="0"/>
     <cs:effectRef idx="0"/>
     <cs:fontRef idx="minor">
-      <a:schemeClr val="dk1"/>
+      <a:schemeClr val="tx1"/>
     </cs:fontRef>
   </cs:plotArea3D>
   <cs:seriesAxis>
+    <cs:lnRef idx="0"/>
+    <cs:fillRef idx="0"/>
+    <cs:effectRef idx="0"/>
+    <cs:fontRef idx="minor">
+      <a:schemeClr val="tx1">
+        <a:lumMod val="65000"/>
+        <a:lumOff val="35000"/>
+      </a:schemeClr>
+    </cs:fontRef>
+    <cs:defRPr sz="1197" kern="1200"/>
+  </cs:seriesAxis>
+  <cs:seriesLine>
+    <cs:lnRef idx="0"/>
+    <cs:fillRef idx="0"/>
+    <cs:effectRef idx="0"/>
+    <cs:fontRef idx="minor">
+      <a:schemeClr val="tx1"/>
+    </cs:fontRef>
+    <cs:spPr>
+      <a:ln w="9525" cap="flat" cmpd="sng" algn="ctr">
+        <a:solidFill>
+          <a:schemeClr val="tx1">
+            <a:lumMod val="35000"/>
+            <a:lumOff val="65000"/>
+          </a:schemeClr>
+        </a:solidFill>
+        <a:round/>
+      </a:ln>
+    </cs:spPr>
+  </cs:seriesLine>
+  <cs:title>
+    <cs:lnRef idx="0"/>
+    <cs:fillRef idx="0"/>
+    <cs:effectRef idx="0"/>
+    <cs:fontRef idx="minor">
+      <a:schemeClr val="tx1">
+        <a:lumMod val="65000"/>
+        <a:lumOff val="35000"/>
+      </a:schemeClr>
+    </cs:fontRef>
+    <cs:defRPr sz="1862" b="0" kern="1200" spc="0" baseline="0"/>
+  </cs:title>
+  <cs:trendline>
+    <cs:lnRef idx="0">
+      <cs:styleClr val="auto"/>
+    </cs:lnRef>
+    <cs:fillRef idx="0"/>
+    <cs:effectRef idx="0"/>
+    <cs:fontRef idx="minor">
+      <a:schemeClr val="tx1"/>
+    </cs:fontRef>
+    <cs:spPr>
+      <a:ln w="19050" cap="rnd">
+        <a:solidFill>
+          <a:schemeClr val="phClr"/>
+        </a:solidFill>
+        <a:prstDash val="sysDot"/>
+      </a:ln>
+    </cs:spPr>
+  </cs:trendline>
+  <cs:trendlineLabel>
+    <cs:lnRef idx="0"/>
+    <cs:fillRef idx="0"/>
+    <cs:effectRef idx="0"/>
+    <cs:fontRef idx="minor">
+      <a:schemeClr val="tx1">
+        <a:lumMod val="65000"/>
+        <a:lumOff val="35000"/>
+      </a:schemeClr>
+    </cs:fontRef>
+    <cs:defRPr sz="1197" kern="1200"/>
+  </cs:trendlineLabel>
+  <cs:upBar>
+    <cs:lnRef idx="0"/>
+    <cs:fillRef idx="0"/>
+    <cs:effectRef idx="0"/>
+    <cs:fontRef idx="minor">
+      <a:schemeClr val="dk1"/>
+    </cs:fontRef>
+    <cs:spPr>
+      <a:solidFill>
+        <a:schemeClr val="lt1"/>
+      </a:solidFill>
+      <a:ln w="9525">
+        <a:solidFill>
+          <a:schemeClr val="tx1">
+            <a:lumMod val="15000"/>
+            <a:lumOff val="85000"/>
+          </a:schemeClr>
+        </a:solidFill>
+      </a:ln>
+    </cs:spPr>
+  </cs:upBar>
+  <cs:valueAxis>
+    <cs:lnRef idx="0"/>
+    <cs:fillRef idx="0"/>
+    <cs:effectRef idx="0"/>
+    <cs:fontRef idx="minor">
+      <a:schemeClr val="tx1">
+        <a:lumMod val="65000"/>
+        <a:lumOff val="35000"/>
+      </a:schemeClr>
+    </cs:fontRef>
+    <cs:defRPr sz="1197" kern="1200"/>
+  </cs:valueAxis>
+  <cs:wall>
+    <cs:lnRef idx="0"/>
+    <cs:fillRef idx="0"/>
+    <cs:effectRef idx="0"/>
+    <cs:fontRef idx="minor">
+      <a:schemeClr val="tx1"/>
+    </cs:fontRef>
+    <cs:spPr>
+      <a:noFill/>
+      <a:ln>
+        <a:noFill/>
+      </a:ln>
+    </cs:spPr>
+  </cs:wall>
+</cs:chartStyle>
+</file>
+
+<file path=ppt/charts/style2.xml><?xml version="1.0" encoding="utf-8"?>
+<cs:chartStyle xmlns:cs="http://schemas.microsoft.com/office/drawing/2012/chartStyle" xmlns:a="http://schemas.openxmlformats.org/drawingml/2006/main" id="201">
+  <cs:axisTitle>
+    <cs:lnRef idx="0"/>
+    <cs:fillRef idx="0"/>
+    <cs:effectRef idx="0"/>
+    <cs:fontRef idx="minor">
+      <a:schemeClr val="tx1">
+        <a:lumMod val="65000"/>
+        <a:lumOff val="35000"/>
+      </a:schemeClr>
+    </cs:fontRef>
+    <cs:defRPr sz="1330" kern="1200"/>
+  </cs:axisTitle>
+  <cs:categoryAxis>
     <cs:lnRef idx="0"/>
     <cs:fillRef idx="0"/>
     <cs:effectRef idx="0"/>
@@ -1198,8 +2051,171 @@
       </a:ln>
     </cs:spPr>
     <cs:defRPr sz="1197" kern="1200"/>
-  </cs:seriesAxis>
-  <cs:seriesLine>
+  </cs:categoryAxis>
+  <cs:chartArea mods="allowNoFillOverride allowNoLineOverride">
+    <cs:lnRef idx="0"/>
+    <cs:fillRef idx="0"/>
+    <cs:effectRef idx="0"/>
+    <cs:fontRef idx="minor">
+      <a:schemeClr val="tx1"/>
+    </cs:fontRef>
+    <cs:spPr>
+      <a:solidFill>
+        <a:schemeClr val="bg1"/>
+      </a:solidFill>
+      <a:ln w="9525" cap="flat" cmpd="sng" algn="ctr">
+        <a:solidFill>
+          <a:schemeClr val="tx1">
+            <a:lumMod val="15000"/>
+            <a:lumOff val="85000"/>
+          </a:schemeClr>
+        </a:solidFill>
+        <a:round/>
+      </a:ln>
+    </cs:spPr>
+    <cs:defRPr sz="1330" kern="1200"/>
+  </cs:chartArea>
+  <cs:dataLabel>
+    <cs:lnRef idx="0"/>
+    <cs:fillRef idx="0"/>
+    <cs:effectRef idx="0"/>
+    <cs:fontRef idx="minor">
+      <a:schemeClr val="tx1">
+        <a:lumMod val="75000"/>
+        <a:lumOff val="25000"/>
+      </a:schemeClr>
+    </cs:fontRef>
+    <cs:defRPr sz="1197" kern="1200"/>
+  </cs:dataLabel>
+  <cs:dataLabelCallout>
+    <cs:lnRef idx="0"/>
+    <cs:fillRef idx="0"/>
+    <cs:effectRef idx="0"/>
+    <cs:fontRef idx="minor">
+      <a:schemeClr val="dk1">
+        <a:lumMod val="65000"/>
+        <a:lumOff val="35000"/>
+      </a:schemeClr>
+    </cs:fontRef>
+    <cs:spPr>
+      <a:solidFill>
+        <a:schemeClr val="lt1"/>
+      </a:solidFill>
+      <a:ln>
+        <a:solidFill>
+          <a:schemeClr val="dk1">
+            <a:lumMod val="25000"/>
+            <a:lumOff val="75000"/>
+          </a:schemeClr>
+        </a:solidFill>
+      </a:ln>
+    </cs:spPr>
+    <cs:defRPr sz="1197" kern="1200"/>
+    <cs:bodyPr rot="0" spcFirstLastPara="1" vertOverflow="clip" horzOverflow="clip" vert="horz" wrap="square" lIns="36576" tIns="18288" rIns="36576" bIns="18288" anchor="ctr" anchorCtr="1">
+      <a:spAutoFit/>
+    </cs:bodyPr>
+  </cs:dataLabelCallout>
+  <cs:dataPoint>
+    <cs:lnRef idx="0"/>
+    <cs:fillRef idx="1">
+      <cs:styleClr val="auto"/>
+    </cs:fillRef>
+    <cs:effectRef idx="0"/>
+    <cs:fontRef idx="minor">
+      <a:schemeClr val="tx1"/>
+    </cs:fontRef>
+  </cs:dataPoint>
+  <cs:dataPoint3D>
+    <cs:lnRef idx="0"/>
+    <cs:fillRef idx="1">
+      <cs:styleClr val="auto"/>
+    </cs:fillRef>
+    <cs:effectRef idx="0"/>
+    <cs:fontRef idx="minor">
+      <a:schemeClr val="tx1"/>
+    </cs:fontRef>
+  </cs:dataPoint3D>
+  <cs:dataPointLine>
+    <cs:lnRef idx="0">
+      <cs:styleClr val="auto"/>
+    </cs:lnRef>
+    <cs:fillRef idx="1"/>
+    <cs:effectRef idx="0"/>
+    <cs:fontRef idx="minor">
+      <a:schemeClr val="tx1"/>
+    </cs:fontRef>
+    <cs:spPr>
+      <a:ln w="28575" cap="rnd">
+        <a:solidFill>
+          <a:schemeClr val="phClr"/>
+        </a:solidFill>
+        <a:round/>
+      </a:ln>
+    </cs:spPr>
+  </cs:dataPointLine>
+  <cs:dataPointMarker>
+    <cs:lnRef idx="0">
+      <cs:styleClr val="auto"/>
+    </cs:lnRef>
+    <cs:fillRef idx="1">
+      <cs:styleClr val="auto"/>
+    </cs:fillRef>
+    <cs:effectRef idx="0"/>
+    <cs:fontRef idx="minor">
+      <a:schemeClr val="tx1"/>
+    </cs:fontRef>
+    <cs:spPr>
+      <a:ln w="9525">
+        <a:solidFill>
+          <a:schemeClr val="phClr"/>
+        </a:solidFill>
+      </a:ln>
+    </cs:spPr>
+  </cs:dataPointMarker>
+  <cs:dataPointMarkerLayout symbol="circle" size="5"/>
+  <cs:dataPointWireframe>
+    <cs:lnRef idx="0">
+      <cs:styleClr val="auto"/>
+    </cs:lnRef>
+    <cs:fillRef idx="1"/>
+    <cs:effectRef idx="0"/>
+    <cs:fontRef idx="minor">
+      <a:schemeClr val="tx1"/>
+    </cs:fontRef>
+    <cs:spPr>
+      <a:ln w="9525" cap="rnd">
+        <a:solidFill>
+          <a:schemeClr val="phClr"/>
+        </a:solidFill>
+        <a:round/>
+      </a:ln>
+    </cs:spPr>
+  </cs:dataPointWireframe>
+  <cs:dataTable>
+    <cs:lnRef idx="0"/>
+    <cs:fillRef idx="0"/>
+    <cs:effectRef idx="0"/>
+    <cs:fontRef idx="minor">
+      <a:schemeClr val="tx1">
+        <a:lumMod val="65000"/>
+        <a:lumOff val="35000"/>
+      </a:schemeClr>
+    </cs:fontRef>
+    <cs:spPr>
+      <a:noFill/>
+      <a:ln w="9525" cap="flat" cmpd="sng" algn="ctr">
+        <a:solidFill>
+          <a:schemeClr val="tx1">
+            <a:lumMod val="15000"/>
+            <a:lumOff val="85000"/>
+          </a:schemeClr>
+        </a:solidFill>
+        <a:round/>
+      </a:ln>
+    </cs:spPr>
+    <cs:defRPr sz="1197" kern="1200"/>
+  </cs:dataTable>
+  <cs:downBar>
     <cs:lnRef idx="0"/>
     <cs:fillRef idx="0"/>
     <cs:effectRef idx="0"/>
@@ -1207,7 +2223,199 @@
       <a:schemeClr val="dk1"/>
     </cs:fontRef>
     <cs:spPr>
+      <a:solidFill>
+        <a:schemeClr val="dk1">
+          <a:lumMod val="65000"/>
+          <a:lumOff val="35000"/>
+        </a:schemeClr>
+      </a:solidFill>
       <a:ln w="9525">
+        <a:solidFill>
+          <a:schemeClr val="tx1">
+            <a:lumMod val="65000"/>
+            <a:lumOff val="35000"/>
+          </a:schemeClr>
+        </a:solidFill>
+      </a:ln>
+    </cs:spPr>
+  </cs:downBar>
+  <cs:dropLine>
+    <cs:lnRef idx="0"/>
+    <cs:fillRef idx="0"/>
+    <cs:effectRef idx="0"/>
+    <cs:fontRef idx="minor">
+      <a:schemeClr val="tx1"/>
+    </cs:fontRef>
+    <cs:spPr>
+      <a:ln w="9525" cap="flat" cmpd="sng" algn="ctr">
+        <a:solidFill>
+          <a:schemeClr val="tx1">
+            <a:lumMod val="35000"/>
+            <a:lumOff val="65000"/>
+          </a:schemeClr>
+        </a:solidFill>
+        <a:round/>
+      </a:ln>
+    </cs:spPr>
+  </cs:dropLine>
+  <cs:errorBar>
+    <cs:lnRef idx="0"/>
+    <cs:fillRef idx="0"/>
+    <cs:effectRef idx="0"/>
+    <cs:fontRef idx="minor">
+      <a:schemeClr val="tx1"/>
+    </cs:fontRef>
+    <cs:spPr>
+      <a:ln w="9525" cap="flat" cmpd="sng" algn="ctr">
+        <a:solidFill>
+          <a:schemeClr val="tx1">
+            <a:lumMod val="65000"/>
+            <a:lumOff val="35000"/>
+          </a:schemeClr>
+        </a:solidFill>
+        <a:round/>
+      </a:ln>
+    </cs:spPr>
+  </cs:errorBar>
+  <cs:floor>
+    <cs:lnRef idx="0"/>
+    <cs:fillRef idx="0"/>
+    <cs:effectRef idx="0"/>
+    <cs:fontRef idx="minor">
+      <a:schemeClr val="tx1"/>
+    </cs:fontRef>
+    <cs:spPr>
+      <a:noFill/>
+      <a:ln>
+        <a:noFill/>
+      </a:ln>
+    </cs:spPr>
+  </cs:floor>
+  <cs:gridlineMajor>
+    <cs:lnRef idx="0"/>
+    <cs:fillRef idx="0"/>
+    <cs:effectRef idx="0"/>
+    <cs:fontRef idx="minor">
+      <a:schemeClr val="tx1"/>
+    </cs:fontRef>
+    <cs:spPr>
+      <a:ln w="9525" cap="flat" cmpd="sng" algn="ctr">
+        <a:solidFill>
+          <a:schemeClr val="tx1">
+            <a:lumMod val="15000"/>
+            <a:lumOff val="85000"/>
+          </a:schemeClr>
+        </a:solidFill>
+        <a:round/>
+      </a:ln>
+    </cs:spPr>
+  </cs:gridlineMajor>
+  <cs:gridlineMinor>
+    <cs:lnRef idx="0"/>
+    <cs:fillRef idx="0"/>
+    <cs:effectRef idx="0"/>
+    <cs:fontRef idx="minor">
+      <a:schemeClr val="tx1"/>
+    </cs:fontRef>
+    <cs:spPr>
+      <a:ln w="9525" cap="flat" cmpd="sng" algn="ctr">
+        <a:solidFill>
+          <a:schemeClr val="tx1">
+            <a:lumMod val="5000"/>
+            <a:lumOff val="95000"/>
+          </a:schemeClr>
+        </a:solidFill>
+        <a:round/>
+      </a:ln>
+    </cs:spPr>
+  </cs:gridlineMinor>
+  <cs:hiLoLine>
+    <cs:lnRef idx="0"/>
+    <cs:fillRef idx="0"/>
+    <cs:effectRef idx="0"/>
+    <cs:fontRef idx="minor">
+      <a:schemeClr val="tx1"/>
+    </cs:fontRef>
+    <cs:spPr>
+      <a:ln w="9525" cap="flat" cmpd="sng" algn="ctr">
+        <a:solidFill>
+          <a:schemeClr val="tx1">
+            <a:lumMod val="75000"/>
+            <a:lumOff val="25000"/>
+          </a:schemeClr>
+        </a:solidFill>
+        <a:round/>
+      </a:ln>
+    </cs:spPr>
+  </cs:hiLoLine>
+  <cs:leaderLine>
+    <cs:lnRef idx="0"/>
+    <cs:fillRef idx="0"/>
+    <cs:effectRef idx="0"/>
+    <cs:fontRef idx="minor">
+      <a:schemeClr val="tx1"/>
+    </cs:fontRef>
+    <cs:spPr>
+      <a:ln w="9525" cap="flat" cmpd="sng" algn="ctr">
+        <a:solidFill>
+          <a:schemeClr val="tx1">
+            <a:lumMod val="35000"/>
+            <a:lumOff val="65000"/>
+          </a:schemeClr>
+        </a:solidFill>
+        <a:round/>
+      </a:ln>
+    </cs:spPr>
+  </cs:leaderLine>
+  <cs:legend>
+    <cs:lnRef idx="0"/>
+    <cs:fillRef idx="0"/>
+    <cs:effectRef idx="0"/>
+    <cs:fontRef idx="minor">
+      <a:schemeClr val="tx1">
+        <a:lumMod val="65000"/>
+        <a:lumOff val="35000"/>
+      </a:schemeClr>
+    </cs:fontRef>
+    <cs:defRPr sz="1197" kern="1200"/>
+  </cs:legend>
+  <cs:plotArea mods="allowNoFillOverride allowNoLineOverride">
+    <cs:lnRef idx="0"/>
+    <cs:fillRef idx="0"/>
+    <cs:effectRef idx="0"/>
+    <cs:fontRef idx="minor">
+      <a:schemeClr val="tx1"/>
+    </cs:fontRef>
+  </cs:plotArea>
+  <cs:plotArea3D mods="allowNoFillOverride allowNoLineOverride">
+    <cs:lnRef idx="0"/>
+    <cs:fillRef idx="0"/>
+    <cs:effectRef idx="0"/>
+    <cs:fontRef idx="minor">
+      <a:schemeClr val="tx1"/>
+    </cs:fontRef>
+  </cs:plotArea3D>
+  <cs:seriesAxis>
+    <cs:lnRef idx="0"/>
+    <cs:fillRef idx="0"/>
+    <cs:effectRef idx="0"/>
+    <cs:fontRef idx="minor">
+      <a:schemeClr val="tx1">
+        <a:lumMod val="65000"/>
+        <a:lumOff val="35000"/>
+      </a:schemeClr>
+    </cs:fontRef>
+    <cs:defRPr sz="1197" kern="1200"/>
+  </cs:seriesAxis>
+  <cs:seriesLine>
+    <cs:lnRef idx="0"/>
+    <cs:fillRef idx="0"/>
+    <cs:effectRef idx="0"/>
+    <cs:fontRef idx="minor">
+      <a:schemeClr val="tx1"/>
+    </cs:fontRef>
+    <cs:spPr>
+      <a:ln w="9525" cap="flat" cmpd="sng" algn="ctr">
         <a:solidFill>
           <a:schemeClr val="tx1">
             <a:lumMod val="35000"/>
@@ -1228,7 +2436,7 @@
         <a:lumOff val="35000"/>
       </a:schemeClr>
     </cs:fontRef>
-    <cs:defRPr sz="2128" b="1" kern="1200" cap="all" spc="120" normalizeH="0" baseline="0"/>
+    <cs:defRPr sz="1862" b="0" kern="1200" spc="0" baseline="0"/>
   </cs:title>
   <cs:trendline>
     <cs:lnRef idx="0">
@@ -1237,14 +2445,14 @@
     <cs:fillRef idx="0"/>
     <cs:effectRef idx="0"/>
     <cs:fontRef idx="minor">
-      <a:schemeClr val="dk1"/>
+      <a:schemeClr val="tx1"/>
     </cs:fontRef>
     <cs:spPr>
       <a:ln w="19050" cap="rnd">
         <a:solidFill>
           <a:schemeClr val="phClr"/>
         </a:solidFill>
-        <a:prstDash val="sysDash"/>
+        <a:prstDash val="sysDot"/>
       </a:ln>
     </cs:spPr>
   </cs:trendline>
@@ -1258,7 +2466,7 @@
         <a:lumOff val="35000"/>
       </a:schemeClr>
     </cs:fontRef>
-    <cs:defRPr sz="1064" kern="1200"/>
+    <cs:defRPr sz="1197" kern="1200"/>
   </cs:trendlineLabel>
   <cs:upBar>
     <cs:lnRef idx="0"/>
@@ -1274,8 +2482,8 @@
       <a:ln w="9525">
         <a:solidFill>
           <a:schemeClr val="tx1">
-            <a:lumMod val="65000"/>
-            <a:lumOff val="35000"/>
+            <a:lumMod val="15000"/>
+            <a:lumOff val="85000"/>
           </a:schemeClr>
         </a:solidFill>
       </a:ln>
@@ -1291,17 +2499,6 @@
         <a:lumOff val="35000"/>
       </a:schemeClr>
     </cs:fontRef>
-    <cs:spPr>
-      <a:ln w="9525" cap="flat" cmpd="sng" algn="ctr">
-        <a:solidFill>
-          <a:schemeClr val="dk1">
-            <a:lumMod val="15000"/>
-            <a:lumOff val="85000"/>
-          </a:schemeClr>
-        </a:solidFill>
-        <a:round/>
-      </a:ln>
-    </cs:spPr>
     <cs:defRPr sz="1197" kern="1200"/>
   </cs:valueAxis>
   <cs:wall>
@@ -1309,8 +2506,14 @@
     <cs:fillRef idx="0"/>
     <cs:effectRef idx="0"/>
     <cs:fontRef idx="minor">
-      <a:schemeClr val="dk1"/>
+      <a:schemeClr val="tx1"/>
     </cs:fontRef>
+    <cs:spPr>
+      <a:noFill/>
+      <a:ln>
+        <a:noFill/>
+      </a:ln>
+    </cs:spPr>
   </cs:wall>
 </cs:chartStyle>
 </file>
@@ -5497,10 +6700,10 @@
             </a:lnSpc>
           </a:pPr>
           <a:r>
-            <a:rPr lang="it-IT"/>
+            <a:rPr lang="it-IT" dirty="0"/>
             <a:t>La architettura x86_64 è di tipo CISC. Più dispendiosa a livello energetico ma con prestazioni generalmente più elevate.</a:t>
           </a:r>
-          <a:endParaRPr lang="en-US"/>
+          <a:endParaRPr lang="en-US" dirty="0"/>
         </a:p>
       </dgm:t>
     </dgm:pt>
@@ -7312,10 +8515,10 @@
             <a:buNone/>
           </a:pPr>
           <a:r>
-            <a:rPr lang="it-IT" sz="1400" kern="1200"/>
+            <a:rPr lang="it-IT" sz="1400" kern="1200" dirty="0"/>
             <a:t>La architettura x86_64 è di tipo CISC. Più dispendiosa a livello energetico ma con prestazioni generalmente più elevate.</a:t>
           </a:r>
-          <a:endParaRPr lang="en-US" sz="1400" kern="1200"/>
+          <a:endParaRPr lang="en-US" sz="1400" kern="1200" dirty="0"/>
         </a:p>
       </dsp:txBody>
       <dsp:txXfrm>
@@ -36336,6 +37539,19 @@
 <file path=ppt/slides/slide2.xml><?xml version="1.0" encoding="utf-8"?>
 <p:sld xmlns:a="http://schemas.openxmlformats.org/drawingml/2006/main" xmlns:r="http://schemas.openxmlformats.org/officeDocument/2006/relationships" xmlns:p="http://schemas.openxmlformats.org/presentationml/2006/main">
   <p:cSld>
+    <p:bg>
+      <p:bgPr>
+        <a:pattFill prst="pct5">
+          <a:fgClr>
+            <a:schemeClr val="accent1"/>
+          </a:fgClr>
+          <a:bgClr>
+            <a:schemeClr val="bg1"/>
+          </a:bgClr>
+        </a:pattFill>
+        <a:effectLst/>
+      </p:bgPr>
+    </p:bg>
     <p:spTree>
       <p:nvGrpSpPr>
         <p:cNvPr id="1" name=""/>
@@ -36373,8 +37589,11 @@
           <a:p>
             <a:pPr algn="ctr"/>
             <a:r>
-              <a:rPr lang="it-IT" dirty="0"/>
-              <a:t>OBIETTIVO</a:t>
+              <a:rPr lang="it-IT" b="1" dirty="0">
+                <a:latin typeface="Helvetica" panose="020B0604020202020204" pitchFamily="34" charset="0"/>
+                <a:cs typeface="Helvetica" panose="020B0604020202020204" pitchFamily="34" charset="0"/>
+              </a:rPr>
+              <a:t>Obiettivo</a:t>
             </a:r>
           </a:p>
         </p:txBody>
@@ -36428,9 +37647,14 @@
   <p:cSld>
     <p:bg>
       <p:bgPr>
-        <a:solidFill>
-          <a:schemeClr val="bg1"/>
-        </a:solidFill>
+        <a:pattFill prst="pct5">
+          <a:fgClr>
+            <a:schemeClr val="accent1"/>
+          </a:fgClr>
+          <a:bgClr>
+            <a:schemeClr val="bg1"/>
+          </a:bgClr>
+        </a:pattFill>
         <a:effectLst/>
       </p:bgPr>
     </p:bg>
@@ -36631,7 +37855,10 @@
           <a:lstStyle/>
           <a:p>
             <a:r>
-              <a:rPr lang="it-IT"/>
+              <a:rPr lang="it-IT" b="1" dirty="0">
+                <a:latin typeface="Helvetica" panose="020B0604020202020204" pitchFamily="34" charset="0"/>
+                <a:cs typeface="Helvetica" panose="020B0604020202020204" pitchFamily="34" charset="0"/>
+              </a:rPr>
               <a:t>Cosa sono le primitive?</a:t>
             </a:r>
           </a:p>
@@ -36905,9 +38132,14 @@
   <p:cSld>
     <p:bg>
       <p:bgPr>
-        <a:solidFill>
-          <a:schemeClr val="bg1"/>
-        </a:solidFill>
+        <a:pattFill prst="pct5">
+          <a:fgClr>
+            <a:schemeClr val="accent1"/>
+          </a:fgClr>
+          <a:bgClr>
+            <a:schemeClr val="bg1"/>
+          </a:bgClr>
+        </a:pattFill>
         <a:effectLst/>
       </p:bgPr>
     </p:bg>
@@ -37014,8 +38246,11 @@
           <a:lstStyle/>
           <a:p>
             <a:r>
-              <a:rPr lang="it-IT" sz="5200" dirty="0"/>
-              <a:t>Architetture Target</a:t>
+              <a:rPr lang="it-IT" b="1" dirty="0">
+                <a:latin typeface="Helvetica" panose="020B0604020202020204" pitchFamily="34" charset="0"/>
+                <a:cs typeface="Helvetica" panose="020B0604020202020204" pitchFamily="34" charset="0"/>
+              </a:rPr>
+              <a:t>Architetture target</a:t>
             </a:r>
           </a:p>
         </p:txBody>
@@ -37184,13 +38419,18 @@
           <a:lstStyle/>
           <a:p>
             <a:r>
-              <a:rPr lang="it-IT" sz="4800">
+              <a:rPr lang="it-IT" sz="4800" dirty="0" err="1">
                 <a:solidFill>
                   <a:schemeClr val="bg1"/>
                 </a:solidFill>
               </a:rPr>
-              <a:t>Intrisics</a:t>
+              <a:t>Intrinsics</a:t>
             </a:r>
+            <a:endParaRPr lang="it-IT" sz="4800" dirty="0">
+              <a:solidFill>
+                <a:schemeClr val="bg1"/>
+              </a:solidFill>
+            </a:endParaRPr>
           </a:p>
         </p:txBody>
       </p:sp>
@@ -38657,10 +39897,10 @@
       </p:sp>
       <p:graphicFrame>
         <p:nvGraphicFramePr>
-          <p:cNvPr id="9" name="Grafico 8">
+          <p:cNvPr id="5" name="Grafico 4">
             <a:extLst>
               <a:ext uri="{FF2B5EF4-FFF2-40B4-BE49-F238E27FC236}">
-                <a16:creationId xmlns:a16="http://schemas.microsoft.com/office/drawing/2014/main" id="{537501CB-D146-E94F-2DD6-EDDA19E810C5}"/>
+                <a16:creationId xmlns:a16="http://schemas.microsoft.com/office/drawing/2014/main" id="{AEF1F63B-CC43-9200-B827-0897F0C16A2E}"/>
               </a:ext>
             </a:extLst>
           </p:cNvPr>
@@ -38668,14 +39908,14 @@
           <p:nvPr>
             <p:extLst>
               <p:ext uri="{D42A27DB-BD31-4B8C-83A1-F6EECF244321}">
-                <p14:modId xmlns:p14="http://schemas.microsoft.com/office/powerpoint/2010/main" val="3915690036"/>
+                <p14:modId xmlns:p14="http://schemas.microsoft.com/office/powerpoint/2010/main" val="800405936"/>
               </p:ext>
             </p:extLst>
           </p:nvPr>
         </p:nvGraphicFramePr>
         <p:xfrm>
-          <a:off x="432225" y="1966293"/>
-          <a:ext cx="11327549" cy="4452160"/>
+          <a:off x="279882" y="1764458"/>
+          <a:ext cx="8128000" cy="4791367"/>
         </p:xfrm>
         <a:graphic>
           <a:graphicData uri="http://schemas.openxmlformats.org/drawingml/2006/chart">
@@ -38683,6 +39923,79 @@
           </a:graphicData>
         </a:graphic>
       </p:graphicFrame>
+      <p:sp>
+        <p:nvSpPr>
+          <p:cNvPr id="6" name="CasellaDiTesto 5">
+            <a:extLst>
+              <a:ext uri="{FF2B5EF4-FFF2-40B4-BE49-F238E27FC236}">
+                <a16:creationId xmlns:a16="http://schemas.microsoft.com/office/drawing/2014/main" id="{5803BECA-2545-0D6D-D44A-71CE893D0598}"/>
+              </a:ext>
+            </a:extLst>
+          </p:cNvPr>
+          <p:cNvSpPr txBox="1"/>
+          <p:nvPr/>
+        </p:nvSpPr>
+        <p:spPr>
+          <a:xfrm>
+            <a:off x="8687765" y="1859079"/>
+            <a:ext cx="3302382" cy="4247317"/>
+          </a:xfrm>
+          <a:prstGeom prst="rect">
+            <a:avLst/>
+          </a:prstGeom>
+          <a:noFill/>
+        </p:spPr>
+        <p:txBody>
+          <a:bodyPr wrap="square" rtlCol="0">
+            <a:spAutoFit/>
+          </a:bodyPr>
+          <a:lstStyle/>
+          <a:p>
+            <a:r>
+              <a:rPr lang="it-IT" dirty="0"/>
+              <a:t>Vengono mostrati i risultati di diverse implementazioni per ogni primitiva testata.</a:t>
+            </a:r>
+          </a:p>
+          <a:p>
+            <a:endParaRPr lang="it-IT" dirty="0"/>
+          </a:p>
+          <a:p>
+            <a:r>
+              <a:rPr lang="it-IT" dirty="0"/>
+              <a:t>Per ciascuna architettura sono mostrati i tempi:</a:t>
+            </a:r>
+          </a:p>
+          <a:p>
+            <a:pPr marL="285750" indent="-285750">
+              <a:buFontTx/>
+              <a:buChar char="-"/>
+            </a:pPr>
+            <a:r>
+              <a:rPr lang="it-IT" dirty="0"/>
+              <a:t>della nostra implementazione ottimizzata  </a:t>
+            </a:r>
+          </a:p>
+          <a:p>
+            <a:pPr marL="285750" indent="-285750">
+              <a:buFontTx/>
+              <a:buChar char="-"/>
+            </a:pPr>
+            <a:r>
+              <a:rPr lang="it-IT" dirty="0"/>
+              <a:t>della implementazione di benchmark SUPERCOP</a:t>
+            </a:r>
+          </a:p>
+          <a:p>
+            <a:endParaRPr lang="it-IT" dirty="0"/>
+          </a:p>
+          <a:p>
+            <a:r>
+              <a:rPr lang="it-IT" dirty="0"/>
+              <a:t>Vengono anche mostrati i tempi di un’implementazione non ottimizzata (CROSS)</a:t>
+            </a:r>
+          </a:p>
+        </p:txBody>
+      </p:sp>
     </p:spTree>
     <p:extLst>
       <p:ext uri="{BB962C8B-B14F-4D97-AF65-F5344CB8AC3E}">
@@ -38699,6 +40012,14 @@
 <file path=ppt/slides/slide9.xml><?xml version="1.0" encoding="utf-8"?>
 <p:sld xmlns:a="http://schemas.openxmlformats.org/drawingml/2006/main" xmlns:r="http://schemas.openxmlformats.org/officeDocument/2006/relationships" xmlns:p="http://schemas.openxmlformats.org/presentationml/2006/main">
   <p:cSld>
+    <p:bg>
+      <p:bgPr>
+        <a:solidFill>
+          <a:schemeClr val="bg1"/>
+        </a:solidFill>
+        <a:effectLst/>
+      </p:bgPr>
+    </p:bg>
     <p:spTree>
       <p:nvGrpSpPr>
         <p:cNvPr id="1" name=""/>
@@ -38713,12 +40034,315 @@
           <a:chExt cx="0" cy="0"/>
         </a:xfrm>
       </p:grpSpPr>
+      <p:sp useBgFill="1">
+        <p:nvSpPr>
+          <p:cNvPr id="19" name="Rectangle 18">
+            <a:extLst>
+              <a:ext uri="{FF2B5EF4-FFF2-40B4-BE49-F238E27FC236}">
+                <a16:creationId xmlns:a16="http://schemas.microsoft.com/office/drawing/2014/main" id="{A8384FB5-9ADC-4DDC-881B-597D56F5B15D}"/>
+              </a:ext>
+              <a:ext uri="{C183D7F6-B498-43B3-948B-1728B52AA6E4}">
+                <adec:decorative xmlns:adec="http://schemas.microsoft.com/office/drawing/2017/decorative" val="1"/>
+              </a:ext>
+            </a:extLst>
+          </p:cNvPr>
+          <p:cNvSpPr>
+            <a:spLocks noGrp="1" noRot="1" noChangeAspect="1" noMove="1" noResize="1" noEditPoints="1" noAdjustHandles="1" noChangeArrowheads="1" noChangeShapeType="1" noTextEdit="1"/>
+          </p:cNvSpPr>
+          <p:nvPr>
+            <p:extLst>
+              <p:ext uri="{386F3935-93C4-4BCD-93E2-E3B085C9AB24}">
+                <p16:designElem xmlns:p16="http://schemas.microsoft.com/office/powerpoint/2015/main" val="1"/>
+              </p:ext>
+            </p:extLst>
+          </p:nvPr>
+        </p:nvSpPr>
+        <p:spPr>
+          <a:xfrm>
+            <a:off x="0" y="0"/>
+            <a:ext cx="12192000" cy="6858000"/>
+          </a:xfrm>
+          <a:prstGeom prst="rect">
+            <a:avLst/>
+          </a:prstGeom>
+          <a:ln w="12700" cap="flat" cmpd="sng" algn="ctr">
+            <a:noFill/>
+            <a:prstDash val="solid"/>
+            <a:miter lim="800000"/>
+          </a:ln>
+          <a:effectLst/>
+          <a:extLst>
+            <a:ext uri="{91240B29-F687-4F45-9708-019B960494DF}">
+              <a14:hiddenLine xmlns:a14="http://schemas.microsoft.com/office/drawing/2010/main" w="12700" cap="flat" cmpd="sng" algn="ctr">
+                <a:solidFill>
+                  <a:schemeClr val="accent1">
+                    <a:shade val="50000"/>
+                  </a:schemeClr>
+                </a:solidFill>
+                <a:prstDash val="solid"/>
+                <a:miter lim="800000"/>
+              </a14:hiddenLine>
+            </a:ext>
+          </a:extLst>
+        </p:spPr>
+        <p:style>
+          <a:lnRef idx="2">
+            <a:schemeClr val="accent1">
+              <a:shade val="50000"/>
+            </a:schemeClr>
+          </a:lnRef>
+          <a:fillRef idx="1">
+            <a:schemeClr val="accent1"/>
+          </a:fillRef>
+          <a:effectRef idx="0">
+            <a:schemeClr val="accent1"/>
+          </a:effectRef>
+          <a:fontRef idx="minor">
+            <a:schemeClr val="lt1"/>
+          </a:fontRef>
+        </p:style>
+        <p:txBody>
+          <a:bodyPr rtlCol="0" anchor="ctr"/>
+          <a:lstStyle/>
+          <a:p>
+            <a:pPr algn="ctr"/>
+            <a:endParaRPr lang="en-US"/>
+          </a:p>
+        </p:txBody>
+      </p:sp>
+      <p:sp>
+        <p:nvSpPr>
+          <p:cNvPr id="21" name="Rectangle 20">
+            <a:extLst>
+              <a:ext uri="{FF2B5EF4-FFF2-40B4-BE49-F238E27FC236}">
+                <a16:creationId xmlns:a16="http://schemas.microsoft.com/office/drawing/2014/main" id="{1199E1B1-A8C0-4FE8-A5A8-1CB41D69F857}"/>
+              </a:ext>
+              <a:ext uri="{C183D7F6-B498-43B3-948B-1728B52AA6E4}">
+                <adec:decorative xmlns:adec="http://schemas.microsoft.com/office/drawing/2017/decorative" val="1"/>
+              </a:ext>
+            </a:extLst>
+          </p:cNvPr>
+          <p:cNvSpPr>
+            <a:spLocks noGrp="1" noRot="1" noChangeAspect="1" noMove="1" noResize="1" noEditPoints="1" noAdjustHandles="1" noChangeArrowheads="1" noChangeShapeType="1" noTextEdit="1"/>
+          </p:cNvSpPr>
+          <p:nvPr>
+            <p:extLst>
+              <p:ext uri="{386F3935-93C4-4BCD-93E2-E3B085C9AB24}">
+                <p16:designElem xmlns:p16="http://schemas.microsoft.com/office/powerpoint/2015/main" val="1"/>
+              </p:ext>
+            </p:extLst>
+          </p:nvPr>
+        </p:nvSpPr>
+        <p:spPr>
+          <a:xfrm rot="10800000" flipH="1">
+            <a:off x="2" y="0"/>
+            <a:ext cx="12191998" cy="1575955"/>
+          </a:xfrm>
+          <a:prstGeom prst="rect">
+            <a:avLst/>
+          </a:prstGeom>
+          <a:gradFill>
+            <a:gsLst>
+              <a:gs pos="0">
+                <a:srgbClr val="000000">
+                  <a:alpha val="96000"/>
+                </a:srgbClr>
+              </a:gs>
+              <a:gs pos="100000">
+                <a:schemeClr val="accent1">
+                  <a:lumMod val="75000"/>
+                </a:schemeClr>
+              </a:gs>
+            </a:gsLst>
+            <a:lin ang="6000000" scaled="0"/>
+          </a:gradFill>
+          <a:ln>
+            <a:noFill/>
+          </a:ln>
+        </p:spPr>
+        <p:style>
+          <a:lnRef idx="2">
+            <a:schemeClr val="accent1">
+              <a:shade val="50000"/>
+            </a:schemeClr>
+          </a:lnRef>
+          <a:fillRef idx="1">
+            <a:schemeClr val="accent1"/>
+          </a:fillRef>
+          <a:effectRef idx="0">
+            <a:schemeClr val="accent1"/>
+          </a:effectRef>
+          <a:fontRef idx="minor">
+            <a:schemeClr val="lt1"/>
+          </a:fontRef>
+        </p:style>
+        <p:txBody>
+          <a:bodyPr rtlCol="0" anchor="ctr"/>
+          <a:lstStyle/>
+          <a:p>
+            <a:pPr algn="ctr"/>
+            <a:endParaRPr lang="en-US"/>
+          </a:p>
+        </p:txBody>
+      </p:sp>
+      <p:sp>
+        <p:nvSpPr>
+          <p:cNvPr id="23" name="Rectangle 22">
+            <a:extLst>
+              <a:ext uri="{FF2B5EF4-FFF2-40B4-BE49-F238E27FC236}">
+                <a16:creationId xmlns:a16="http://schemas.microsoft.com/office/drawing/2014/main" id="{84A8DE83-DE75-4B41-9DB4-A7EC0B0DEC0B}"/>
+              </a:ext>
+              <a:ext uri="{C183D7F6-B498-43B3-948B-1728B52AA6E4}">
+                <adec:decorative xmlns:adec="http://schemas.microsoft.com/office/drawing/2017/decorative" val="1"/>
+              </a:ext>
+            </a:extLst>
+          </p:cNvPr>
+          <p:cNvSpPr>
+            <a:spLocks noGrp="1" noRot="1" noChangeAspect="1" noMove="1" noResize="1" noEditPoints="1" noAdjustHandles="1" noChangeArrowheads="1" noChangeShapeType="1" noTextEdit="1"/>
+          </p:cNvSpPr>
+          <p:nvPr>
+            <p:extLst>
+              <p:ext uri="{386F3935-93C4-4BCD-93E2-E3B085C9AB24}">
+                <p16:designElem xmlns:p16="http://schemas.microsoft.com/office/powerpoint/2015/main" val="1"/>
+              </p:ext>
+            </p:extLst>
+          </p:nvPr>
+        </p:nvSpPr>
+        <p:spPr>
+          <a:xfrm>
+            <a:off x="0" y="0"/>
+            <a:ext cx="8128856" cy="1575461"/>
+          </a:xfrm>
+          <a:prstGeom prst="rect">
+            <a:avLst/>
+          </a:prstGeom>
+          <a:gradFill>
+            <a:gsLst>
+              <a:gs pos="0">
+                <a:schemeClr val="accent1">
+                  <a:alpha val="41000"/>
+                </a:schemeClr>
+              </a:gs>
+              <a:gs pos="74000">
+                <a:schemeClr val="accent1">
+                  <a:lumMod val="60000"/>
+                  <a:lumOff val="40000"/>
+                  <a:alpha val="0"/>
+                </a:schemeClr>
+              </a:gs>
+            </a:gsLst>
+            <a:lin ang="8400000" scaled="0"/>
+          </a:gradFill>
+          <a:ln>
+            <a:noFill/>
+          </a:ln>
+        </p:spPr>
+        <p:style>
+          <a:lnRef idx="2">
+            <a:schemeClr val="accent1">
+              <a:shade val="50000"/>
+            </a:schemeClr>
+          </a:lnRef>
+          <a:fillRef idx="1">
+            <a:schemeClr val="accent1"/>
+          </a:fillRef>
+          <a:effectRef idx="0">
+            <a:schemeClr val="accent1"/>
+          </a:effectRef>
+          <a:fontRef idx="minor">
+            <a:schemeClr val="lt1"/>
+          </a:fontRef>
+        </p:style>
+        <p:txBody>
+          <a:bodyPr rtlCol="0" anchor="ctr"/>
+          <a:lstStyle/>
+          <a:p>
+            <a:pPr algn="ctr"/>
+            <a:endParaRPr lang="en-US"/>
+          </a:p>
+        </p:txBody>
+      </p:sp>
+      <p:sp>
+        <p:nvSpPr>
+          <p:cNvPr id="25" name="Rectangle 24">
+            <a:extLst>
+              <a:ext uri="{FF2B5EF4-FFF2-40B4-BE49-F238E27FC236}">
+                <a16:creationId xmlns:a16="http://schemas.microsoft.com/office/drawing/2014/main" id="{A7009A0A-BEF5-4EAC-AF15-E4F9F002E239}"/>
+              </a:ext>
+              <a:ext uri="{C183D7F6-B498-43B3-948B-1728B52AA6E4}">
+                <adec:decorative xmlns:adec="http://schemas.microsoft.com/office/drawing/2017/decorative" val="1"/>
+              </a:ext>
+            </a:extLst>
+          </p:cNvPr>
+          <p:cNvSpPr>
+            <a:spLocks noGrp="1" noRot="1" noChangeAspect="1" noMove="1" noResize="1" noEditPoints="1" noAdjustHandles="1" noChangeArrowheads="1" noChangeShapeType="1" noTextEdit="1"/>
+          </p:cNvSpPr>
+          <p:nvPr>
+            <p:extLst>
+              <p:ext uri="{386F3935-93C4-4BCD-93E2-E3B085C9AB24}">
+                <p16:designElem xmlns:p16="http://schemas.microsoft.com/office/powerpoint/2015/main" val="1"/>
+              </p:ext>
+            </p:extLst>
+          </p:nvPr>
+        </p:nvSpPr>
+        <p:spPr>
+          <a:xfrm flipH="1">
+            <a:off x="-3" y="-1"/>
+            <a:ext cx="12192002" cy="1574311"/>
+          </a:xfrm>
+          <a:prstGeom prst="rect">
+            <a:avLst/>
+          </a:prstGeom>
+          <a:gradFill>
+            <a:gsLst>
+              <a:gs pos="0">
+                <a:srgbClr val="000000">
+                  <a:alpha val="63000"/>
+                </a:srgbClr>
+              </a:gs>
+              <a:gs pos="78000">
+                <a:schemeClr val="accent1">
+                  <a:alpha val="15000"/>
+                </a:schemeClr>
+              </a:gs>
+            </a:gsLst>
+            <a:lin ang="15600000" scaled="0"/>
+          </a:gradFill>
+          <a:ln>
+            <a:noFill/>
+          </a:ln>
+        </p:spPr>
+        <p:style>
+          <a:lnRef idx="2">
+            <a:schemeClr val="accent1">
+              <a:shade val="50000"/>
+            </a:schemeClr>
+          </a:lnRef>
+          <a:fillRef idx="1">
+            <a:schemeClr val="accent1"/>
+          </a:fillRef>
+          <a:effectRef idx="0">
+            <a:schemeClr val="accent1"/>
+          </a:effectRef>
+          <a:fontRef idx="minor">
+            <a:schemeClr val="lt1"/>
+          </a:fontRef>
+        </p:style>
+        <p:txBody>
+          <a:bodyPr rtlCol="0" anchor="ctr"/>
+          <a:lstStyle/>
+          <a:p>
+            <a:pPr algn="ctr"/>
+            <a:endParaRPr lang="en-US"/>
+          </a:p>
+        </p:txBody>
+      </p:sp>
       <p:sp>
         <p:nvSpPr>
           <p:cNvPr id="2" name="Titolo 1">
             <a:extLst>
               <a:ext uri="{FF2B5EF4-FFF2-40B4-BE49-F238E27FC236}">
-                <a16:creationId xmlns:a16="http://schemas.microsoft.com/office/drawing/2014/main" id="{3BF35E2E-50CC-AC13-A339-6C50832576AE}"/>
+                <a16:creationId xmlns:a16="http://schemas.microsoft.com/office/drawing/2014/main" id="{BC3F34B6-F4ED-C89B-F22F-76E907339D8B}"/>
               </a:ext>
             </a:extLst>
           </p:cNvPr>
@@ -38729,45 +40353,180 @@
             <p:ph type="title"/>
           </p:nvPr>
         </p:nvSpPr>
-        <p:spPr/>
+        <p:spPr>
+          <a:xfrm>
+            <a:off x="432225" y="302629"/>
+            <a:ext cx="7823314" cy="1159200"/>
+          </a:xfrm>
+        </p:spPr>
         <p:txBody>
-          <a:bodyPr/>
+          <a:bodyPr vert="horz" lIns="91440" tIns="45720" rIns="91440" bIns="45720" rtlCol="0" anchor="ctr">
+            <a:normAutofit/>
+          </a:bodyPr>
+          <a:lstStyle/>
+          <a:p>
+            <a:r>
+              <a:rPr lang="en-US" sz="4000" kern="1200" dirty="0" err="1">
+                <a:solidFill>
+                  <a:srgbClr val="FFFFFF"/>
+                </a:solidFill>
+                <a:latin typeface="+mj-lt"/>
+                <a:ea typeface="+mj-ea"/>
+                <a:cs typeface="+mj-cs"/>
+              </a:rPr>
+              <a:t>Analisi</a:t>
+            </a:r>
+            <a:r>
+              <a:rPr lang="en-US" sz="4000" kern="1200" dirty="0">
+                <a:solidFill>
+                  <a:srgbClr val="FFFFFF"/>
+                </a:solidFill>
+                <a:latin typeface="+mj-lt"/>
+                <a:ea typeface="+mj-ea"/>
+                <a:cs typeface="+mj-cs"/>
+              </a:rPr>
+              <a:t> </a:t>
+            </a:r>
+            <a:r>
+              <a:rPr lang="en-US" sz="4000" kern="1200" dirty="0" err="1">
+                <a:solidFill>
+                  <a:srgbClr val="FFFFFF"/>
+                </a:solidFill>
+                <a:latin typeface="+mj-lt"/>
+                <a:ea typeface="+mj-ea"/>
+                <a:cs typeface="+mj-cs"/>
+              </a:rPr>
+              <a:t>dei</a:t>
+            </a:r>
+            <a:r>
+              <a:rPr lang="en-US" sz="4000" kern="1200" dirty="0">
+                <a:solidFill>
+                  <a:srgbClr val="FFFFFF"/>
+                </a:solidFill>
+                <a:latin typeface="+mj-lt"/>
+                <a:ea typeface="+mj-ea"/>
+                <a:cs typeface="+mj-cs"/>
+              </a:rPr>
+              <a:t> </a:t>
+            </a:r>
+            <a:r>
+              <a:rPr lang="en-US" sz="4000" kern="1200" dirty="0" err="1">
+                <a:solidFill>
+                  <a:srgbClr val="FFFFFF"/>
+                </a:solidFill>
+                <a:latin typeface="+mj-lt"/>
+                <a:ea typeface="+mj-ea"/>
+                <a:cs typeface="+mj-cs"/>
+              </a:rPr>
+              <a:t>risultati</a:t>
+            </a:r>
+            <a:endParaRPr lang="en-US" sz="4000" kern="1200" dirty="0">
+              <a:solidFill>
+                <a:srgbClr val="FFFFFF"/>
+              </a:solidFill>
+              <a:latin typeface="+mj-lt"/>
+              <a:ea typeface="+mj-ea"/>
+              <a:cs typeface="+mj-cs"/>
+            </a:endParaRPr>
+          </a:p>
+        </p:txBody>
+      </p:sp>
+      <p:graphicFrame>
+        <p:nvGraphicFramePr>
+          <p:cNvPr id="5" name="Grafico 4">
+            <a:extLst>
+              <a:ext uri="{FF2B5EF4-FFF2-40B4-BE49-F238E27FC236}">
+                <a16:creationId xmlns:a16="http://schemas.microsoft.com/office/drawing/2014/main" id="{AEF1F63B-CC43-9200-B827-0897F0C16A2E}"/>
+              </a:ext>
+            </a:extLst>
+          </p:cNvPr>
+          <p:cNvGraphicFramePr/>
+          <p:nvPr/>
+        </p:nvGraphicFramePr>
+        <p:xfrm>
+          <a:off x="279882" y="1764458"/>
+          <a:ext cx="8128000" cy="4791367"/>
+        </p:xfrm>
+        <a:graphic>
+          <a:graphicData uri="http://schemas.openxmlformats.org/drawingml/2006/chart">
+            <c:chart xmlns:c="http://schemas.openxmlformats.org/drawingml/2006/chart" xmlns:r="http://schemas.openxmlformats.org/officeDocument/2006/relationships" r:id="rId2"/>
+          </a:graphicData>
+        </a:graphic>
+      </p:graphicFrame>
+      <p:sp>
+        <p:nvSpPr>
+          <p:cNvPr id="3" name="CasellaDiTesto 2">
+            <a:extLst>
+              <a:ext uri="{FF2B5EF4-FFF2-40B4-BE49-F238E27FC236}">
+                <a16:creationId xmlns:a16="http://schemas.microsoft.com/office/drawing/2014/main" id="{3362EEC6-BDBC-7456-C277-3D7AD7E14052}"/>
+              </a:ext>
+            </a:extLst>
+          </p:cNvPr>
+          <p:cNvSpPr txBox="1"/>
+          <p:nvPr/>
+        </p:nvSpPr>
+        <p:spPr>
+          <a:xfrm>
+            <a:off x="8859385" y="1974135"/>
+            <a:ext cx="3052733" cy="4247317"/>
+          </a:xfrm>
+          <a:prstGeom prst="rect">
+            <a:avLst/>
+          </a:prstGeom>
+          <a:noFill/>
+        </p:spPr>
+        <p:txBody>
+          <a:bodyPr wrap="square" rtlCol="0">
+            <a:spAutoFit/>
+          </a:bodyPr>
           <a:lstStyle/>
           <a:p>
             <a:r>
               <a:rPr lang="it-IT" dirty="0"/>
-              <a:t>Conclusioni</a:t>
+              <a:t>I risultati mostrano che:</a:t>
             </a:r>
           </a:p>
-        </p:txBody>
-      </p:sp>
-      <p:sp>
-        <p:nvSpPr>
-          <p:cNvPr id="3" name="Segnaposto contenuto 2">
-            <a:extLst>
-              <a:ext uri="{FF2B5EF4-FFF2-40B4-BE49-F238E27FC236}">
-                <a16:creationId xmlns:a16="http://schemas.microsoft.com/office/drawing/2014/main" id="{F81D00DA-E14F-6DE3-1C0B-E298C9BAF462}"/>
-              </a:ext>
-            </a:extLst>
-          </p:cNvPr>
-          <p:cNvSpPr>
-            <a:spLocks noGrp="1"/>
-          </p:cNvSpPr>
-          <p:nvPr>
-            <p:ph idx="1"/>
-          </p:nvPr>
-        </p:nvSpPr>
-        <p:spPr/>
-        <p:txBody>
-          <a:bodyPr/>
-          <a:lstStyle/>
           <a:p>
-            <a:pPr marL="0" indent="0">
-              <a:buNone/>
+            <a:pPr marL="342900" indent="-342900">
+              <a:buAutoNum type="arabicPeriod"/>
             </a:pPr>
             <a:r>
               <a:rPr lang="it-IT" dirty="0"/>
-              <a:t>Le versioni ottimizzate portano un guadagno </a:t>
+              <a:t>La nostra implementazione x86 è in media del 16% più veloce rispetto a SUPERCOP</a:t>
+            </a:r>
+          </a:p>
+          <a:p>
+            <a:pPr marL="342900" indent="-342900">
+              <a:buAutoNum type="arabicPeriod"/>
+            </a:pPr>
+            <a:r>
+              <a:rPr lang="it-IT" dirty="0"/>
+              <a:t>L’implementazione ARM di SUPERCOP è più lenta rispetto a CROSS</a:t>
+            </a:r>
+          </a:p>
+          <a:p>
+            <a:pPr marL="342900" indent="-342900">
+              <a:buFontTx/>
+              <a:buAutoNum type="arabicPeriod"/>
+            </a:pPr>
+            <a:r>
+              <a:rPr lang="it-IT" dirty="0"/>
+              <a:t>L’implementazione x86 è più veloce di ARM</a:t>
+            </a:r>
+          </a:p>
+          <a:p>
+            <a:pPr marL="342900" indent="-342900">
+              <a:buAutoNum type="arabicPeriod"/>
+            </a:pPr>
+            <a:endParaRPr lang="it-IT" dirty="0"/>
+          </a:p>
+          <a:p>
+            <a:endParaRPr lang="it-IT" dirty="0"/>
+          </a:p>
+          <a:p>
+            <a:r>
+              <a:rPr lang="it-IT" dirty="0"/>
+              <a:t>Sul report è chiarito nel dettaglio il confronto tra le varie implementazioni ARM</a:t>
             </a:r>
           </a:p>
         </p:txBody>
@@ -38775,7 +40534,7 @@
     </p:spTree>
     <p:extLst>
       <p:ext uri="{BB962C8B-B14F-4D97-AF65-F5344CB8AC3E}">
-        <p14:creationId xmlns:p14="http://schemas.microsoft.com/office/powerpoint/2010/main" val="981956209"/>
+        <p14:creationId xmlns:p14="http://schemas.microsoft.com/office/powerpoint/2010/main" val="3344467707"/>
       </p:ext>
     </p:extLst>
   </p:cSld>
